--- a/GitHUBprezi.pptx
+++ b/GitHUBprezi.pptx
@@ -201,7 +201,7 @@
           <a:p>
             <a:fld id="{E00A994B-2FCE-4ABC-BF21-8467E1F1334D}" type="datetimeFigureOut">
               <a:rPr lang="hu-HU" smtClean="0"/>
-              <a:t>2024.10.15.</a:t>
+              <a:t>2024.10.22.</a:t>
             </a:fld>
             <a:endParaRPr lang="hu-HU"/>
           </a:p>
@@ -1120,7 +1120,7 @@
           <a:p>
             <a:fld id="{E82BE230-C9CA-4DAB-A162-81C28342F955}" type="datetimeFigureOut">
               <a:rPr lang="hu-HU" smtClean="0"/>
-              <a:t>2024.10.15.</a:t>
+              <a:t>2024.10.22.</a:t>
             </a:fld>
             <a:endParaRPr lang="hu-HU"/>
           </a:p>
@@ -1318,7 +1318,7 @@
           <a:p>
             <a:fld id="{E82BE230-C9CA-4DAB-A162-81C28342F955}" type="datetimeFigureOut">
               <a:rPr lang="hu-HU" smtClean="0"/>
-              <a:t>2024.10.15.</a:t>
+              <a:t>2024.10.22.</a:t>
             </a:fld>
             <a:endParaRPr lang="hu-HU"/>
           </a:p>
@@ -1526,7 +1526,7 @@
           <a:p>
             <a:fld id="{E82BE230-C9CA-4DAB-A162-81C28342F955}" type="datetimeFigureOut">
               <a:rPr lang="hu-HU" smtClean="0"/>
-              <a:t>2024.10.15.</a:t>
+              <a:t>2024.10.22.</a:t>
             </a:fld>
             <a:endParaRPr lang="hu-HU"/>
           </a:p>
@@ -2218,7 +2218,7 @@
           <a:p>
             <a:fld id="{E82BE230-C9CA-4DAB-A162-81C28342F955}" type="datetimeFigureOut">
               <a:rPr lang="hu-HU" smtClean="0"/>
-              <a:t>2024.10.15.</a:t>
+              <a:t>2024.10.22.</a:t>
             </a:fld>
             <a:endParaRPr lang="hu-HU"/>
           </a:p>
@@ -2493,7 +2493,7 @@
           <a:p>
             <a:fld id="{E82BE230-C9CA-4DAB-A162-81C28342F955}" type="datetimeFigureOut">
               <a:rPr lang="hu-HU" smtClean="0"/>
-              <a:t>2024.10.15.</a:t>
+              <a:t>2024.10.22.</a:t>
             </a:fld>
             <a:endParaRPr lang="hu-HU"/>
           </a:p>
@@ -2758,7 +2758,7 @@
           <a:p>
             <a:fld id="{E82BE230-C9CA-4DAB-A162-81C28342F955}" type="datetimeFigureOut">
               <a:rPr lang="hu-HU" smtClean="0"/>
-              <a:t>2024.10.15.</a:t>
+              <a:t>2024.10.22.</a:t>
             </a:fld>
             <a:endParaRPr lang="hu-HU"/>
           </a:p>
@@ -3170,7 +3170,7 @@
           <a:p>
             <a:fld id="{E82BE230-C9CA-4DAB-A162-81C28342F955}" type="datetimeFigureOut">
               <a:rPr lang="hu-HU" smtClean="0"/>
-              <a:t>2024.10.15.</a:t>
+              <a:t>2024.10.22.</a:t>
             </a:fld>
             <a:endParaRPr lang="hu-HU"/>
           </a:p>
@@ -3311,7 +3311,7 @@
           <a:p>
             <a:fld id="{E82BE230-C9CA-4DAB-A162-81C28342F955}" type="datetimeFigureOut">
               <a:rPr lang="hu-HU" smtClean="0"/>
-              <a:t>2024.10.15.</a:t>
+              <a:t>2024.10.22.</a:t>
             </a:fld>
             <a:endParaRPr lang="hu-HU"/>
           </a:p>
@@ -3424,7 +3424,7 @@
           <a:p>
             <a:fld id="{E82BE230-C9CA-4DAB-A162-81C28342F955}" type="datetimeFigureOut">
               <a:rPr lang="hu-HU" smtClean="0"/>
-              <a:t>2024.10.15.</a:t>
+              <a:t>2024.10.22.</a:t>
             </a:fld>
             <a:endParaRPr lang="hu-HU"/>
           </a:p>
@@ -3735,7 +3735,7 @@
           <a:p>
             <a:fld id="{E82BE230-C9CA-4DAB-A162-81C28342F955}" type="datetimeFigureOut">
               <a:rPr lang="hu-HU" smtClean="0"/>
-              <a:t>2024.10.15.</a:t>
+              <a:t>2024.10.22.</a:t>
             </a:fld>
             <a:endParaRPr lang="hu-HU"/>
           </a:p>
@@ -4023,7 +4023,7 @@
           <a:p>
             <a:fld id="{E82BE230-C9CA-4DAB-A162-81C28342F955}" type="datetimeFigureOut">
               <a:rPr lang="hu-HU" smtClean="0"/>
-              <a:t>2024.10.15.</a:t>
+              <a:t>2024.10.22.</a:t>
             </a:fld>
             <a:endParaRPr lang="hu-HU"/>
           </a:p>
@@ -4264,7 +4264,7 @@
           <a:p>
             <a:fld id="{E82BE230-C9CA-4DAB-A162-81C28342F955}" type="datetimeFigureOut">
               <a:rPr lang="hu-HU" smtClean="0"/>
-              <a:t>2024.10.15.</a:t>
+              <a:t>2024.10.22.</a:t>
             </a:fld>
             <a:endParaRPr lang="hu-HU"/>
           </a:p>
@@ -4966,7 +4966,7 @@
                 <a:latin typeface="Times New Roman" panose="02020603050405020304" pitchFamily="18" charset="0"/>
                 <a:cs typeface="Times New Roman" panose="02020603050405020304" pitchFamily="18" charset="0"/>
               </a:rPr>
-              <a:t>Regisztrálás</a:t>
+              <a:t>Fiókba belépés</a:t>
             </a:r>
           </a:p>
         </p:txBody>
@@ -4986,7 +4986,7 @@
         <p:spPr>
           <a:xfrm>
             <a:off x="650631" y="4703885"/>
-            <a:ext cx="5134707" cy="1754326"/>
+            <a:ext cx="5134707" cy="1477328"/>
           </a:xfrm>
           <a:prstGeom prst="rect">
             <a:avLst/>
@@ -5004,16 +5004,7 @@
                 <a:latin typeface="Times New Roman" panose="02020603050405020304" pitchFamily="18" charset="0"/>
                 <a:cs typeface="Times New Roman" panose="02020603050405020304" pitchFamily="18" charset="0"/>
               </a:rPr>
-              <a:t>A regisztrálás a profil készítése után kell minden egyes belépésnél ha nem menti el a weboldal.</a:t>
-            </a:r>
-          </a:p>
-          <a:p>
-            <a:r>
-              <a:rPr lang="hu-HU" dirty="0">
-                <a:latin typeface="Times New Roman" panose="02020603050405020304" pitchFamily="18" charset="0"/>
-                <a:cs typeface="Times New Roman" panose="02020603050405020304" pitchFamily="18" charset="0"/>
-              </a:rPr>
-              <a:t>Ehhez a profil készítéséből ezek az információk kellenek:</a:t>
+              <a:t>A Fiók készítése után minden alkalommal be kell lépni. Ehhez a profil készítéséből ezek az információk kellenek:</a:t>
             </a:r>
           </a:p>
           <a:p>
@@ -5073,7 +5064,7 @@
         </p:blipFill>
         <p:spPr bwMode="auto">
           <a:xfrm>
-            <a:off x="8287786" y="4213030"/>
+            <a:off x="7881386" y="319967"/>
             <a:ext cx="3904214" cy="2455984"/>
           </a:xfrm>
           <a:prstGeom prst="rect">
@@ -5089,6 +5080,36 @@
               </a14:hiddenFill>
             </a:ext>
           </a:extLst>
+        </p:spPr>
+      </p:pic>
+      <p:pic>
+        <p:nvPicPr>
+          <p:cNvPr id="7" name="Kép 6">
+            <a:extLst>
+              <a:ext uri="{FF2B5EF4-FFF2-40B4-BE49-F238E27FC236}">
+                <a16:creationId xmlns:a16="http://schemas.microsoft.com/office/drawing/2014/main" id="{0DF93839-3C6E-4520-B09C-CA064044971B}"/>
+              </a:ext>
+            </a:extLst>
+          </p:cNvPr>
+          <p:cNvPicPr>
+            <a:picLocks noChangeAspect="1"/>
+          </p:cNvPicPr>
+          <p:nvPr/>
+        </p:nvPicPr>
+        <p:blipFill>
+          <a:blip r:embed="rId5"/>
+          <a:stretch>
+            <a:fillRect/>
+          </a:stretch>
+        </p:blipFill>
+        <p:spPr>
+          <a:xfrm>
+            <a:off x="8022700" y="3428521"/>
+            <a:ext cx="3762900" cy="3429479"/>
+          </a:xfrm>
+          <a:prstGeom prst="rect">
+            <a:avLst/>
+          </a:prstGeom>
         </p:spPr>
       </p:pic>
     </p:spTree>
@@ -5594,6 +5615,35 @@
           </a:prstGeom>
         </p:spPr>
       </p:pic>
+      <p:pic>
+        <p:nvPicPr>
+          <p:cNvPr id="6" name="Kép 5">
+            <a:extLst>
+              <a:ext uri="{FF2B5EF4-FFF2-40B4-BE49-F238E27FC236}">
+                <a16:creationId xmlns:a16="http://schemas.microsoft.com/office/drawing/2014/main" id="{0A78C055-1E1B-4941-9185-4ECE1A53F8BD}"/>
+              </a:ext>
+            </a:extLst>
+          </p:cNvPr>
+          <p:cNvPicPr>
+            <a:picLocks noChangeAspect="1"/>
+          </p:cNvPicPr>
+          <p:nvPr/>
+        </p:nvPicPr>
+        <p:blipFill rotWithShape="1">
+          <a:blip r:embed="rId6"/>
+          <a:srcRect b="20498"/>
+          <a:stretch/>
+        </p:blipFill>
+        <p:spPr>
+          <a:xfrm>
+            <a:off x="5965942" y="3653038"/>
+            <a:ext cx="4724653" cy="2861649"/>
+          </a:xfrm>
+          <a:prstGeom prst="rect">
+            <a:avLst/>
+          </a:prstGeom>
+        </p:spPr>
+      </p:pic>
     </p:spTree>
     <p:extLst>
       <p:ext uri="{BB962C8B-B14F-4D97-AF65-F5344CB8AC3E}">
@@ -5820,7 +5870,7 @@
         <p:spPr>
           <a:xfrm>
             <a:off x="500223" y="1283045"/>
-            <a:ext cx="6326090" cy="861774"/>
+            <a:ext cx="6326090" cy="584775"/>
           </a:xfrm>
           <a:prstGeom prst="rect">
             <a:avLst/>
@@ -5843,19 +5893,56 @@
                 <a:latin typeface="Times New Roman" panose="02020603050405020304" pitchFamily="18" charset="0"/>
                 <a:cs typeface="Times New Roman" panose="02020603050405020304" pitchFamily="18" charset="0"/>
               </a:rPr>
-              <a:t>Folyamata  a fájl feltöltésnek</a:t>
-            </a:r>
-          </a:p>
-          <a:p>
-            <a:endParaRPr lang="hu-HU" dirty="0">
-              <a:solidFill>
-                <a:schemeClr val="accent3">
-                  <a:lumMod val="50000"/>
-                </a:schemeClr>
-              </a:solidFill>
-              <a:latin typeface="Times New Roman" panose="02020603050405020304" pitchFamily="18" charset="0"/>
-              <a:cs typeface="Times New Roman" panose="02020603050405020304" pitchFamily="18" charset="0"/>
-            </a:endParaRPr>
+              <a:t>Mi a </a:t>
+            </a:r>
+            <a:r>
+              <a:rPr lang="hu-HU" sz="3200" b="1" u="sng" dirty="0" err="1">
+                <a:solidFill>
+                  <a:schemeClr val="accent3">
+                    <a:lumMod val="50000"/>
+                  </a:schemeClr>
+                </a:solidFill>
+                <a:latin typeface="Times New Roman" panose="02020603050405020304" pitchFamily="18" charset="0"/>
+                <a:cs typeface="Times New Roman" panose="02020603050405020304" pitchFamily="18" charset="0"/>
+              </a:rPr>
+              <a:t>Git</a:t>
+            </a:r>
+            <a:r>
+              <a:rPr lang="hu-HU" sz="3200" b="1" u="sng" dirty="0">
+                <a:solidFill>
+                  <a:schemeClr val="accent3">
+                    <a:lumMod val="50000"/>
+                  </a:schemeClr>
+                </a:solidFill>
+                <a:latin typeface="Times New Roman" panose="02020603050405020304" pitchFamily="18" charset="0"/>
+                <a:cs typeface="Times New Roman" panose="02020603050405020304" pitchFamily="18" charset="0"/>
+              </a:rPr>
+              <a:t> </a:t>
+            </a:r>
+            <a:r>
+              <a:rPr lang="hu-HU" sz="3200" b="1" u="sng" dirty="0" err="1">
+                <a:solidFill>
+                  <a:schemeClr val="accent3">
+                    <a:lumMod val="50000"/>
+                  </a:schemeClr>
+                </a:solidFill>
+                <a:latin typeface="Times New Roman" panose="02020603050405020304" pitchFamily="18" charset="0"/>
+                <a:cs typeface="Times New Roman" panose="02020603050405020304" pitchFamily="18" charset="0"/>
+              </a:rPr>
+              <a:t>Bash</a:t>
+            </a:r>
+            <a:r>
+              <a:rPr lang="hu-HU" sz="3200" b="1" u="sng" dirty="0">
+                <a:solidFill>
+                  <a:schemeClr val="accent3">
+                    <a:lumMod val="50000"/>
+                  </a:schemeClr>
+                </a:solidFill>
+                <a:latin typeface="Times New Roman" panose="02020603050405020304" pitchFamily="18" charset="0"/>
+                <a:cs typeface="Times New Roman" panose="02020603050405020304" pitchFamily="18" charset="0"/>
+              </a:rPr>
+              <a:t>?</a:t>
+            </a:r>
           </a:p>
         </p:txBody>
       </p:sp>
@@ -5874,7 +5961,7 @@
         <p:spPr>
           <a:xfrm>
             <a:off x="720969" y="2144819"/>
-            <a:ext cx="4756639" cy="923330"/>
+            <a:ext cx="4756639" cy="646331"/>
           </a:xfrm>
           <a:prstGeom prst="rect">
             <a:avLst/>
@@ -5892,7 +5979,7 @@
                 <a:latin typeface="Times New Roman" panose="02020603050405020304" pitchFamily="18" charset="0"/>
                 <a:cs typeface="Times New Roman" panose="02020603050405020304" pitchFamily="18" charset="0"/>
               </a:rPr>
-              <a:t>Mi a </a:t>
+              <a:t>A </a:t>
             </a:r>
             <a:r>
               <a:rPr lang="hu-HU" dirty="0" err="1">
@@ -5920,58 +6007,7 @@
                 <a:latin typeface="Times New Roman" panose="02020603050405020304" pitchFamily="18" charset="0"/>
                 <a:cs typeface="Times New Roman" panose="02020603050405020304" pitchFamily="18" charset="0"/>
               </a:rPr>
-              <a:t>?</a:t>
-            </a:r>
-          </a:p>
-          <a:p>
-            <a:r>
-              <a:rPr lang="hu-HU" dirty="0">
-                <a:latin typeface="Times New Roman" panose="02020603050405020304" pitchFamily="18" charset="0"/>
-                <a:cs typeface="Times New Roman" panose="02020603050405020304" pitchFamily="18" charset="0"/>
-              </a:rPr>
-              <a:t>A </a:t>
-            </a:r>
-            <a:r>
-              <a:rPr lang="hu-HU" dirty="0" err="1">
-                <a:latin typeface="Times New Roman" panose="02020603050405020304" pitchFamily="18" charset="0"/>
-                <a:cs typeface="Times New Roman" panose="02020603050405020304" pitchFamily="18" charset="0"/>
-              </a:rPr>
-              <a:t>Git</a:t>
-            </a:r>
-            <a:r>
-              <a:rPr lang="hu-HU" dirty="0">
-                <a:latin typeface="Times New Roman" panose="02020603050405020304" pitchFamily="18" charset="0"/>
-                <a:cs typeface="Times New Roman" panose="02020603050405020304" pitchFamily="18" charset="0"/>
-              </a:rPr>
-              <a:t> </a:t>
-            </a:r>
-            <a:r>
-              <a:rPr lang="hu-HU" dirty="0" err="1">
-                <a:latin typeface="Times New Roman" panose="02020603050405020304" pitchFamily="18" charset="0"/>
-                <a:cs typeface="Times New Roman" panose="02020603050405020304" pitchFamily="18" charset="0"/>
-              </a:rPr>
-              <a:t>Bash</a:t>
-            </a:r>
-            <a:r>
-              <a:rPr lang="hu-HU" dirty="0">
-                <a:latin typeface="Times New Roman" panose="02020603050405020304" pitchFamily="18" charset="0"/>
-                <a:cs typeface="Times New Roman" panose="02020603050405020304" pitchFamily="18" charset="0"/>
-              </a:rPr>
-              <a:t> olyan mint a parancssor (</a:t>
-            </a:r>
-            <a:r>
-              <a:rPr lang="hu-HU" dirty="0" err="1">
-                <a:latin typeface="Times New Roman" panose="02020603050405020304" pitchFamily="18" charset="0"/>
-                <a:cs typeface="Times New Roman" panose="02020603050405020304" pitchFamily="18" charset="0"/>
-              </a:rPr>
-              <a:t>cmds</a:t>
-            </a:r>
-            <a:r>
-              <a:rPr lang="hu-HU" dirty="0">
-                <a:latin typeface="Times New Roman" panose="02020603050405020304" pitchFamily="18" charset="0"/>
-                <a:cs typeface="Times New Roman" panose="02020603050405020304" pitchFamily="18" charset="0"/>
-              </a:rPr>
-              <a:t>), csak </a:t>
+              <a:t> olyan mint a parancssor (cmd), csak </a:t>
             </a:r>
             <a:r>
               <a:rPr lang="hu-HU" dirty="0" err="1">

--- a/GitHUBprezi.pptx
+++ b/GitHUBprezi.pptx
@@ -6203,6 +6203,71 @@
           </a:extLst>
         </p:spPr>
       </p:pic>
+      <p:pic>
+        <p:nvPicPr>
+          <p:cNvPr id="3" name="Kép 2">
+            <a:extLst>
+              <a:ext uri="{FF2B5EF4-FFF2-40B4-BE49-F238E27FC236}">
+                <a16:creationId xmlns:a16="http://schemas.microsoft.com/office/drawing/2014/main" id="{36BC3127-3D7C-41FB-8352-E8FA6D5843F4}"/>
+              </a:ext>
+            </a:extLst>
+          </p:cNvPr>
+          <p:cNvPicPr>
+            <a:picLocks noChangeAspect="1"/>
+          </p:cNvPicPr>
+          <p:nvPr/>
+        </p:nvPicPr>
+        <p:blipFill>
+          <a:blip r:embed="rId5"/>
+          <a:stretch>
+            <a:fillRect/>
+          </a:stretch>
+        </p:blipFill>
+        <p:spPr>
+          <a:xfrm>
+            <a:off x="6001025" y="4714964"/>
+            <a:ext cx="5133975" cy="666750"/>
+          </a:xfrm>
+          <a:prstGeom prst="rect">
+            <a:avLst/>
+          </a:prstGeom>
+        </p:spPr>
+      </p:pic>
+      <p:sp>
+        <p:nvSpPr>
+          <p:cNvPr id="9" name="Szövegdoboz 8">
+            <a:extLst>
+              <a:ext uri="{FF2B5EF4-FFF2-40B4-BE49-F238E27FC236}">
+                <a16:creationId xmlns:a16="http://schemas.microsoft.com/office/drawing/2014/main" id="{52DA2F1B-CED9-48D8-82EA-8ED52B7D4CD4}"/>
+              </a:ext>
+            </a:extLst>
+          </p:cNvPr>
+          <p:cNvSpPr txBox="1"/>
+          <p:nvPr/>
+        </p:nvSpPr>
+        <p:spPr>
+          <a:xfrm>
+            <a:off x="8183461" y="5381714"/>
+            <a:ext cx="3121456" cy="276999"/>
+          </a:xfrm>
+          <a:prstGeom prst="rect">
+            <a:avLst/>
+          </a:prstGeom>
+          <a:noFill/>
+        </p:spPr>
+        <p:txBody>
+          <a:bodyPr wrap="square" rtlCol="0">
+            <a:spAutoFit/>
+          </a:bodyPr>
+          <a:lstStyle/>
+          <a:p>
+            <a:r>
+              <a:rPr lang="hu-HU" sz="1200" i="1" dirty="0"/>
+              <a:t>https://math.bme.hu/~balazs/git/gitcml.html</a:t>
+            </a:r>
+          </a:p>
+        </p:txBody>
+      </p:sp>
     </p:spTree>
     <p:extLst>
       <p:ext uri="{BB962C8B-B14F-4D97-AF65-F5344CB8AC3E}">

--- a/GitHUBprezi.pptx
+++ b/GitHUBprezi.pptx
@@ -6537,7 +6537,7 @@
         <p:spPr>
           <a:xfrm>
             <a:off x="791307" y="1969477"/>
-            <a:ext cx="4774223" cy="1754326"/>
+            <a:ext cx="4774223" cy="1477328"/>
           </a:xfrm>
           <a:prstGeom prst="rect">
             <a:avLst/>
@@ -6559,8 +6559,19 @@
                 <a:latin typeface="Times New Roman" panose="02020603050405020304" pitchFamily="18" charset="0"/>
                 <a:cs typeface="Times New Roman" panose="02020603050405020304" pitchFamily="18" charset="0"/>
               </a:rPr>
-              <a:t>A cd ”Mappa neve” paranccsal belemegyünk a mappába ahol szeretnénk , hogy benne legyen a parancssor  </a:t>
-            </a:r>
+              <a:t>A cd ”Mappa neve” paranccsal belemegyünk a mappába ahol </a:t>
+            </a:r>
+            <a:r>
+              <a:rPr lang="hu-HU">
+                <a:latin typeface="Times New Roman" panose="02020603050405020304" pitchFamily="18" charset="0"/>
+                <a:cs typeface="Times New Roman" panose="02020603050405020304" pitchFamily="18" charset="0"/>
+              </a:rPr>
+              <a:t>szeretnénk dolgozni</a:t>
+            </a:r>
+            <a:endParaRPr lang="hu-HU" dirty="0">
+              <a:latin typeface="Times New Roman" panose="02020603050405020304" pitchFamily="18" charset="0"/>
+              <a:cs typeface="Times New Roman" panose="02020603050405020304" pitchFamily="18" charset="0"/>
+            </a:endParaRPr>
           </a:p>
           <a:p>
             <a:pPr marL="342900" indent="-342900">

--- a/GitHUBprezi.pptx
+++ b/GitHUBprezi.pptx
@@ -5,17 +5,18 @@
     <p:sldMasterId id="2147483886" r:id="rId1"/>
   </p:sldMasterIdLst>
   <p:notesMasterIdLst>
-    <p:notesMasterId r:id="rId10"/>
+    <p:notesMasterId r:id="rId11"/>
   </p:notesMasterIdLst>
   <p:sldIdLst>
-    <p:sldId id="328" r:id="rId2"/>
-    <p:sldId id="321" r:id="rId3"/>
-    <p:sldId id="322" r:id="rId4"/>
-    <p:sldId id="327" r:id="rId5"/>
-    <p:sldId id="323" r:id="rId6"/>
-    <p:sldId id="324" r:id="rId7"/>
-    <p:sldId id="325" r:id="rId8"/>
-    <p:sldId id="326" r:id="rId9"/>
+    <p:sldId id="329" r:id="rId2"/>
+    <p:sldId id="328" r:id="rId3"/>
+    <p:sldId id="321" r:id="rId4"/>
+    <p:sldId id="322" r:id="rId5"/>
+    <p:sldId id="327" r:id="rId6"/>
+    <p:sldId id="323" r:id="rId7"/>
+    <p:sldId id="324" r:id="rId8"/>
+    <p:sldId id="325" r:id="rId9"/>
+    <p:sldId id="326" r:id="rId10"/>
   </p:sldIdLst>
   <p:sldSz cx="12192000" cy="6858000"/>
   <p:notesSz cx="6858000" cy="9144000"/>
@@ -7739,26 +7740,9 @@
 <file path=ppt/slides/slide1.xml><?xml version="1.0" encoding="utf-8"?>
 <p:sld xmlns:a="http://schemas.openxmlformats.org/drawingml/2006/main" xmlns:r="http://schemas.openxmlformats.org/officeDocument/2006/relationships" xmlns:p="http://schemas.openxmlformats.org/presentationml/2006/main">
   <p:cSld>
-    <p:bg>
-      <p:bgPr>
-        <a:solidFill>
-          <a:schemeClr val="tx2">
-            <a:lumMod val="60000"/>
-            <a:lumOff val="40000"/>
-          </a:schemeClr>
-        </a:solidFill>
-        <a:effectLst/>
-      </p:bgPr>
-    </p:bg>
     <p:spTree>
       <p:nvGrpSpPr>
-        <p:cNvPr id="1" name="">
-          <a:extLst>
-            <a:ext uri="{FF2B5EF4-FFF2-40B4-BE49-F238E27FC236}">
-              <a16:creationId xmlns:a16="http://schemas.microsoft.com/office/drawing/2014/main" id="{12974011-782C-5785-1BDA-96E770840BB4}"/>
-            </a:ext>
-          </a:extLst>
-        </p:cNvPr>
+        <p:cNvPr id="1" name=""/>
         <p:cNvGrpSpPr/>
         <p:nvPr/>
       </p:nvGrpSpPr>
@@ -7770,12 +7754,80 @@
           <a:chExt cx="0" cy="0"/>
         </a:xfrm>
       </p:grpSpPr>
+      <p:sp>
+        <p:nvSpPr>
+          <p:cNvPr id="2" name="Cím 1">
+            <a:extLst>
+              <a:ext uri="{FF2B5EF4-FFF2-40B4-BE49-F238E27FC236}">
+                <a16:creationId xmlns:a16="http://schemas.microsoft.com/office/drawing/2014/main" id="{BE339FE5-89E3-4AC1-805F-F691B9DB25B7}"/>
+              </a:ext>
+            </a:extLst>
+          </p:cNvPr>
+          <p:cNvSpPr>
+            <a:spLocks noGrp="1"/>
+          </p:cNvSpPr>
+          <p:nvPr>
+            <p:ph type="title"/>
+          </p:nvPr>
+        </p:nvSpPr>
+        <p:spPr/>
+        <p:txBody>
+          <a:bodyPr/>
+          <a:lstStyle/>
+          <a:p>
+            <a:endParaRPr lang="hu-HU"/>
+          </a:p>
+        </p:txBody>
+      </p:sp>
+      <p:sp>
+        <p:nvSpPr>
+          <p:cNvPr id="3" name="Tartalom helye 2">
+            <a:extLst>
+              <a:ext uri="{FF2B5EF4-FFF2-40B4-BE49-F238E27FC236}">
+                <a16:creationId xmlns:a16="http://schemas.microsoft.com/office/drawing/2014/main" id="{91E7F9F8-50E4-420C-B912-21335E0032BA}"/>
+              </a:ext>
+            </a:extLst>
+          </p:cNvPr>
+          <p:cNvSpPr>
+            <a:spLocks noGrp="1"/>
+          </p:cNvSpPr>
+          <p:nvPr>
+            <p:ph idx="1"/>
+          </p:nvPr>
+        </p:nvSpPr>
+        <p:spPr/>
+        <p:txBody>
+          <a:bodyPr/>
+          <a:lstStyle/>
+          <a:p>
+            <a:endParaRPr lang="hu-HU"/>
+          </a:p>
+        </p:txBody>
+      </p:sp>
+      <p:sp>
+        <p:nvSpPr>
+          <p:cNvPr id="4" name="Kép helye 3">
+            <a:extLst>
+              <a:ext uri="{FF2B5EF4-FFF2-40B4-BE49-F238E27FC236}">
+                <a16:creationId xmlns:a16="http://schemas.microsoft.com/office/drawing/2014/main" id="{99A8CCE8-B4E4-4DE5-B8F7-B070A1CEB5D5}"/>
+              </a:ext>
+            </a:extLst>
+          </p:cNvPr>
+          <p:cNvSpPr>
+            <a:spLocks noGrp="1"/>
+          </p:cNvSpPr>
+          <p:nvPr>
+            <p:ph type="pic" sz="quarter" idx="11"/>
+          </p:nvPr>
+        </p:nvSpPr>
+        <p:spPr/>
+      </p:sp>
       <p:pic>
         <p:nvPicPr>
-          <p:cNvPr id="8" name="Kép 7">
+          <p:cNvPr id="5" name="Kép 4">
             <a:extLst>
               <a:ext uri="{FF2B5EF4-FFF2-40B4-BE49-F238E27FC236}">
-                <a16:creationId xmlns:a16="http://schemas.microsoft.com/office/drawing/2014/main" id="{D2C86010-5203-45AF-B011-FB28874FFCE1}"/>
+                <a16:creationId xmlns:a16="http://schemas.microsoft.com/office/drawing/2014/main" id="{715E96B8-6824-4078-A53F-DC3F976428A9}"/>
               </a:ext>
             </a:extLst>
           </p:cNvPr>
@@ -7785,7 +7837,7 @@
           <p:nvPr/>
         </p:nvPicPr>
         <p:blipFill>
-          <a:blip r:embed="rId3">
+          <a:blip r:embed="rId2">
             <a:extLst>
               <a:ext uri="{28A0092B-C50C-407E-A947-70E740481C1C}">
                 <a14:useLocalDpi xmlns:a14="http://schemas.microsoft.com/office/drawing/2010/main" val="0"/>
@@ -7808,56 +7860,10 @@
       </p:pic>
       <p:sp>
         <p:nvSpPr>
-          <p:cNvPr id="2" name="Title 1">
+          <p:cNvPr id="6" name="Szövegdoboz 5">
             <a:extLst>
               <a:ext uri="{FF2B5EF4-FFF2-40B4-BE49-F238E27FC236}">
-                <a16:creationId xmlns:a16="http://schemas.microsoft.com/office/drawing/2014/main" id="{BEB44C60-2436-2621-F3DA-67C78DF20210}"/>
-              </a:ext>
-            </a:extLst>
-          </p:cNvPr>
-          <p:cNvSpPr>
-            <a:spLocks noGrp="1"/>
-          </p:cNvSpPr>
-          <p:nvPr>
-            <p:ph type="title"/>
-          </p:nvPr>
-        </p:nvSpPr>
-        <p:spPr>
-          <a:xfrm>
-            <a:off x="5459510" y="499819"/>
-            <a:ext cx="6326090" cy="712677"/>
-          </a:xfrm>
-        </p:spPr>
-        <p:txBody>
-          <a:bodyPr/>
-          <a:lstStyle/>
-          <a:p>
-            <a:r>
-              <a:rPr lang="hu-HU" sz="4400" b="1" u="sng" dirty="0" err="1">
-                <a:solidFill>
-                  <a:srgbClr val="FF0000"/>
-                </a:solidFill>
-                <a:latin typeface="Times New Roman" panose="02020603050405020304" pitchFamily="18" charset="0"/>
-                <a:cs typeface="Times New Roman" panose="02020603050405020304" pitchFamily="18" charset="0"/>
-              </a:rPr>
-              <a:t>GitHUB</a:t>
-            </a:r>
-            <a:endParaRPr lang="en-US" sz="4400" b="1" u="sng" dirty="0">
-              <a:solidFill>
-                <a:srgbClr val="FF0000"/>
-              </a:solidFill>
-              <a:latin typeface="Times New Roman" panose="02020603050405020304" pitchFamily="18" charset="0"/>
-              <a:cs typeface="Times New Roman" panose="02020603050405020304" pitchFamily="18" charset="0"/>
-            </a:endParaRPr>
-          </a:p>
-        </p:txBody>
-      </p:sp>
-      <p:sp>
-        <p:nvSpPr>
-          <p:cNvPr id="4" name="Szövegdoboz 3">
-            <a:extLst>
-              <a:ext uri="{FF2B5EF4-FFF2-40B4-BE49-F238E27FC236}">
-                <a16:creationId xmlns:a16="http://schemas.microsoft.com/office/drawing/2014/main" id="{00C777A7-53D2-43EB-B45B-53351BDEA5D4}"/>
+                <a16:creationId xmlns:a16="http://schemas.microsoft.com/office/drawing/2014/main" id="{DFEF214E-9B09-4516-A263-629F0077FCE8}"/>
               </a:ext>
             </a:extLst>
           </p:cNvPr>
@@ -7866,8 +7872,8 @@
         </p:nvSpPr>
         <p:spPr>
           <a:xfrm>
-            <a:off x="5459510" y="1212496"/>
-            <a:ext cx="6326090" cy="1046440"/>
+            <a:off x="2330450" y="2304789"/>
+            <a:ext cx="7362825" cy="1015663"/>
           </a:xfrm>
           <a:prstGeom prst="rect">
             <a:avLst/>
@@ -7881,33 +7887,51 @@
           <a:lstStyle/>
           <a:p>
             <a:r>
-              <a:rPr lang="hu-HU" sz="4400" b="1" u="sng" dirty="0">
+              <a:rPr lang="hu-HU" sz="6000" b="1" u="sng" dirty="0">
                 <a:solidFill>
-                  <a:schemeClr val="accent1"/>
+                  <a:srgbClr val="FF0000"/>
                 </a:solidFill>
-                <a:latin typeface="Times New Roman" panose="02020603050405020304" pitchFamily="18" charset="0"/>
-                <a:cs typeface="Times New Roman" panose="02020603050405020304" pitchFamily="18" charset="0"/>
               </a:rPr>
-              <a:t>Profil készítés</a:t>
-            </a:r>
-          </a:p>
-          <a:p>
-            <a:endParaRPr lang="hu-HU" dirty="0">
+              <a:t>GITHUB és </a:t>
+            </a:r>
+            <a:r>
+              <a:rPr lang="hu-HU" sz="6000" b="1" u="sng" dirty="0" err="1">
+                <a:solidFill>
+                  <a:srgbClr val="FF0000"/>
+                </a:solidFill>
+              </a:rPr>
+              <a:t>Git</a:t>
+            </a:r>
+            <a:r>
+              <a:rPr lang="hu-HU" sz="6000" b="1" u="sng" dirty="0">
+                <a:solidFill>
+                  <a:srgbClr val="FF0000"/>
+                </a:solidFill>
+              </a:rPr>
+              <a:t> </a:t>
+            </a:r>
+            <a:r>
+              <a:rPr lang="hu-HU" sz="6000" b="1" u="sng" dirty="0" err="1">
+                <a:solidFill>
+                  <a:srgbClr val="FF0000"/>
+                </a:solidFill>
+              </a:rPr>
+              <a:t>Bash</a:t>
+            </a:r>
+            <a:endParaRPr lang="hu-HU" sz="6000" b="1" u="sng" dirty="0">
               <a:solidFill>
-                <a:schemeClr val="accent1"/>
+                <a:srgbClr val="FF0000"/>
               </a:solidFill>
-              <a:latin typeface="Times New Roman" panose="02020603050405020304" pitchFamily="18" charset="0"/>
-              <a:cs typeface="Times New Roman" panose="02020603050405020304" pitchFamily="18" charset="0"/>
             </a:endParaRPr>
           </a:p>
         </p:txBody>
       </p:sp>
       <p:sp>
         <p:nvSpPr>
-          <p:cNvPr id="3" name="Szövegdoboz 2">
+          <p:cNvPr id="7" name="Szövegdoboz 6">
             <a:extLst>
               <a:ext uri="{FF2B5EF4-FFF2-40B4-BE49-F238E27FC236}">
-                <a16:creationId xmlns:a16="http://schemas.microsoft.com/office/drawing/2014/main" id="{19CCDF6A-B33B-427F-A1AE-64C414787E20}"/>
+                <a16:creationId xmlns:a16="http://schemas.microsoft.com/office/drawing/2014/main" id="{869779D0-5E8D-40E3-A17B-2041F60A3F6F}"/>
               </a:ext>
             </a:extLst>
           </p:cNvPr>
@@ -7916,8 +7940,8 @@
         </p:nvSpPr>
         <p:spPr>
           <a:xfrm>
-            <a:off x="5459510" y="2258936"/>
-            <a:ext cx="5442438" cy="3539430"/>
+            <a:off x="568327" y="3602794"/>
+            <a:ext cx="11547474" cy="461665"/>
           </a:xfrm>
           <a:prstGeom prst="rect">
             <a:avLst/>
@@ -7931,123 +7955,22 @@
           <a:lstStyle/>
           <a:p>
             <a:r>
-              <a:rPr lang="hu-HU" sz="3200" dirty="0">
-                <a:latin typeface="Times New Roman" panose="02020603050405020304" pitchFamily="18" charset="0"/>
-                <a:cs typeface="Times New Roman" panose="02020603050405020304" pitchFamily="18" charset="0"/>
-              </a:rPr>
-              <a:t>A Profil készítés a legelső dolog mindenhez. A profilok könnyedén regisztrálható</a:t>
-            </a:r>
-          </a:p>
-          <a:p>
-            <a:pPr marL="285750" indent="-285750">
-              <a:buFont typeface="Arial" panose="020B0604020202020204" pitchFamily="34" charset="0"/>
-              <a:buChar char="•"/>
-            </a:pPr>
-            <a:r>
-              <a:rPr lang="hu-HU" sz="3200" dirty="0">
-                <a:latin typeface="Times New Roman" panose="02020603050405020304" pitchFamily="18" charset="0"/>
-                <a:cs typeface="Times New Roman" panose="02020603050405020304" pitchFamily="18" charset="0"/>
-              </a:rPr>
-              <a:t>egy felhasználó név (név amit használni fog)</a:t>
-            </a:r>
-          </a:p>
-          <a:p>
-            <a:pPr marL="285750" indent="-285750">
-              <a:buFont typeface="Arial" panose="020B0604020202020204" pitchFamily="34" charset="0"/>
-              <a:buChar char="•"/>
-            </a:pPr>
-            <a:r>
-              <a:rPr lang="hu-HU" sz="3200" dirty="0">
-                <a:latin typeface="Times New Roman" panose="02020603050405020304" pitchFamily="18" charset="0"/>
-                <a:cs typeface="Times New Roman" panose="02020603050405020304" pitchFamily="18" charset="0"/>
-              </a:rPr>
-              <a:t>egy email-cím</a:t>
-            </a:r>
-          </a:p>
-          <a:p>
-            <a:pPr marL="285750" indent="-285750">
-              <a:buFont typeface="Arial" panose="020B0604020202020204" pitchFamily="34" charset="0"/>
-              <a:buChar char="•"/>
-            </a:pPr>
-            <a:r>
-              <a:rPr lang="hu-HU" sz="3200" dirty="0">
-                <a:latin typeface="Times New Roman" panose="02020603050405020304" pitchFamily="18" charset="0"/>
-                <a:cs typeface="Times New Roman" panose="02020603050405020304" pitchFamily="18" charset="0"/>
-              </a:rPr>
-              <a:t>egy jelszó megadása</a:t>
-            </a:r>
-          </a:p>
-        </p:txBody>
-      </p:sp>
-      <p:pic>
-        <p:nvPicPr>
-          <p:cNvPr id="1026" name="Picture 2" descr="Home - The GitHub Blog">
-            <a:extLst>
-              <a:ext uri="{FF2B5EF4-FFF2-40B4-BE49-F238E27FC236}">
-                <a16:creationId xmlns:a16="http://schemas.microsoft.com/office/drawing/2014/main" id="{BBB1E8CF-5480-4832-A87D-E3A6721027B1}"/>
-              </a:ext>
-            </a:extLst>
-          </p:cNvPr>
-          <p:cNvPicPr>
-            <a:picLocks noChangeAspect="1" noChangeArrowheads="1"/>
-          </p:cNvPicPr>
-          <p:nvPr/>
-        </p:nvPicPr>
-        <p:blipFill>
-          <a:blip r:embed="rId4">
-            <a:extLst>
-              <a:ext uri="{28A0092B-C50C-407E-A947-70E740481C1C}">
-                <a14:useLocalDpi xmlns:a14="http://schemas.microsoft.com/office/drawing/2010/main" val="0"/>
-              </a:ext>
-            </a:extLst>
-          </a:blip>
-          <a:srcRect/>
-          <a:stretch>
-            <a:fillRect/>
-          </a:stretch>
-        </p:blipFill>
-        <p:spPr bwMode="auto">
-          <a:xfrm>
-            <a:off x="238126" y="1926013"/>
-            <a:ext cx="4778374" cy="3236274"/>
-          </a:xfrm>
-          <a:prstGeom prst="rect">
-            <a:avLst/>
-          </a:prstGeom>
-          <a:noFill/>
-          <a:extLst>
-            <a:ext uri="{909E8E84-426E-40DD-AFC4-6F175D3DCCD1}">
-              <a14:hiddenFill xmlns:a14="http://schemas.microsoft.com/office/drawing/2010/main">
-                <a:solidFill>
-                  <a:srgbClr val="FFFFFF"/>
-                </a:solidFill>
-              </a14:hiddenFill>
-            </a:ext>
-          </a:extLst>
-        </p:spPr>
-      </p:pic>
+              <a:rPr lang="hu-HU" sz="2400" dirty="0"/>
+              <a:t>Készítette: Szeri Róbert Balázs, Dán Tamás, Gyarmati Csaba, Bögyös Milán</a:t>
+            </a:r>
+          </a:p>
+        </p:txBody>
+      </p:sp>
     </p:spTree>
     <p:extLst>
       <p:ext uri="{BB962C8B-B14F-4D97-AF65-F5344CB8AC3E}">
-        <p14:creationId xmlns:p14="http://schemas.microsoft.com/office/powerpoint/2010/main" val="3877275931"/>
+        <p14:creationId xmlns:p14="http://schemas.microsoft.com/office/powerpoint/2010/main" val="1950908985"/>
       </p:ext>
     </p:extLst>
   </p:cSld>
   <p:clrMapOvr>
     <a:masterClrMapping/>
   </p:clrMapOvr>
-  <mc:AlternateContent xmlns:mc="http://schemas.openxmlformats.org/markup-compatibility/2006" xmlns:p159="http://schemas.microsoft.com/office/powerpoint/2015/09/main">
-    <mc:Choice Requires="p159">
-      <p:transition xmlns:p14="http://schemas.microsoft.com/office/powerpoint/2010/main" spd="slow" p14:dur="2000">
-        <p159:morph option="byObject"/>
-      </p:transition>
-    </mc:Choice>
-    <mc:Fallback xmlns="">
-      <p:transition spd="slow">
-        <p:fade/>
-      </p:transition>
-    </mc:Fallback>
-  </mc:AlternateContent>
 </p:sld>
 </file>
 
@@ -8113,6 +8036,321 @@
         </p:blipFill>
         <p:spPr>
           <a:xfrm>
+            <a:off x="238126" y="341256"/>
+            <a:ext cx="11547474" cy="6495454"/>
+          </a:xfrm>
+          <a:prstGeom prst="rect">
+            <a:avLst/>
+          </a:prstGeom>
+        </p:spPr>
+      </p:pic>
+      <p:sp>
+        <p:nvSpPr>
+          <p:cNvPr id="2" name="Title 1">
+            <a:extLst>
+              <a:ext uri="{FF2B5EF4-FFF2-40B4-BE49-F238E27FC236}">
+                <a16:creationId xmlns:a16="http://schemas.microsoft.com/office/drawing/2014/main" id="{BEB44C60-2436-2621-F3DA-67C78DF20210}"/>
+              </a:ext>
+            </a:extLst>
+          </p:cNvPr>
+          <p:cNvSpPr>
+            <a:spLocks noGrp="1"/>
+          </p:cNvSpPr>
+          <p:nvPr>
+            <p:ph type="title"/>
+          </p:nvPr>
+        </p:nvSpPr>
+        <p:spPr>
+          <a:xfrm>
+            <a:off x="5459510" y="499819"/>
+            <a:ext cx="6326090" cy="712677"/>
+          </a:xfrm>
+        </p:spPr>
+        <p:txBody>
+          <a:bodyPr/>
+          <a:lstStyle/>
+          <a:p>
+            <a:r>
+              <a:rPr lang="hu-HU" sz="4400" b="1" u="sng" dirty="0" err="1">
+                <a:solidFill>
+                  <a:srgbClr val="FF0000"/>
+                </a:solidFill>
+                <a:latin typeface="Times New Roman" panose="02020603050405020304" pitchFamily="18" charset="0"/>
+                <a:cs typeface="Times New Roman" panose="02020603050405020304" pitchFamily="18" charset="0"/>
+              </a:rPr>
+              <a:t>GitHUB</a:t>
+            </a:r>
+            <a:endParaRPr lang="en-US" sz="4400" b="1" u="sng" dirty="0">
+              <a:solidFill>
+                <a:srgbClr val="FF0000"/>
+              </a:solidFill>
+              <a:latin typeface="Times New Roman" panose="02020603050405020304" pitchFamily="18" charset="0"/>
+              <a:cs typeface="Times New Roman" panose="02020603050405020304" pitchFamily="18" charset="0"/>
+            </a:endParaRPr>
+          </a:p>
+        </p:txBody>
+      </p:sp>
+      <p:sp>
+        <p:nvSpPr>
+          <p:cNvPr id="4" name="Szövegdoboz 3">
+            <a:extLst>
+              <a:ext uri="{FF2B5EF4-FFF2-40B4-BE49-F238E27FC236}">
+                <a16:creationId xmlns:a16="http://schemas.microsoft.com/office/drawing/2014/main" id="{00C777A7-53D2-43EB-B45B-53351BDEA5D4}"/>
+              </a:ext>
+            </a:extLst>
+          </p:cNvPr>
+          <p:cNvSpPr txBox="1"/>
+          <p:nvPr/>
+        </p:nvSpPr>
+        <p:spPr>
+          <a:xfrm>
+            <a:off x="5459510" y="1212496"/>
+            <a:ext cx="6326090" cy="1046440"/>
+          </a:xfrm>
+          <a:prstGeom prst="rect">
+            <a:avLst/>
+          </a:prstGeom>
+          <a:noFill/>
+        </p:spPr>
+        <p:txBody>
+          <a:bodyPr wrap="square" rtlCol="0">
+            <a:spAutoFit/>
+          </a:bodyPr>
+          <a:lstStyle/>
+          <a:p>
+            <a:r>
+              <a:rPr lang="hu-HU" sz="4400" b="1" u="sng" dirty="0">
+                <a:solidFill>
+                  <a:schemeClr val="accent1"/>
+                </a:solidFill>
+                <a:latin typeface="Times New Roman" panose="02020603050405020304" pitchFamily="18" charset="0"/>
+                <a:cs typeface="Times New Roman" panose="02020603050405020304" pitchFamily="18" charset="0"/>
+              </a:rPr>
+              <a:t>Profil készítés</a:t>
+            </a:r>
+          </a:p>
+          <a:p>
+            <a:endParaRPr lang="hu-HU" dirty="0">
+              <a:solidFill>
+                <a:schemeClr val="accent1"/>
+              </a:solidFill>
+              <a:latin typeface="Times New Roman" panose="02020603050405020304" pitchFamily="18" charset="0"/>
+              <a:cs typeface="Times New Roman" panose="02020603050405020304" pitchFamily="18" charset="0"/>
+            </a:endParaRPr>
+          </a:p>
+        </p:txBody>
+      </p:sp>
+      <p:sp>
+        <p:nvSpPr>
+          <p:cNvPr id="3" name="Szövegdoboz 2">
+            <a:extLst>
+              <a:ext uri="{FF2B5EF4-FFF2-40B4-BE49-F238E27FC236}">
+                <a16:creationId xmlns:a16="http://schemas.microsoft.com/office/drawing/2014/main" id="{19CCDF6A-B33B-427F-A1AE-64C414787E20}"/>
+              </a:ext>
+            </a:extLst>
+          </p:cNvPr>
+          <p:cNvSpPr txBox="1"/>
+          <p:nvPr/>
+        </p:nvSpPr>
+        <p:spPr>
+          <a:xfrm>
+            <a:off x="5459510" y="2258936"/>
+            <a:ext cx="5442438" cy="3539430"/>
+          </a:xfrm>
+          <a:prstGeom prst="rect">
+            <a:avLst/>
+          </a:prstGeom>
+          <a:noFill/>
+        </p:spPr>
+        <p:txBody>
+          <a:bodyPr wrap="square" rtlCol="0">
+            <a:spAutoFit/>
+          </a:bodyPr>
+          <a:lstStyle/>
+          <a:p>
+            <a:r>
+              <a:rPr lang="hu-HU" sz="3200" dirty="0">
+                <a:latin typeface="Times New Roman" panose="02020603050405020304" pitchFamily="18" charset="0"/>
+                <a:cs typeface="Times New Roman" panose="02020603050405020304" pitchFamily="18" charset="0"/>
+              </a:rPr>
+              <a:t>A Profil készítés a legelső dolog mindenhez. A profilok könnyedén regisztrálható</a:t>
+            </a:r>
+          </a:p>
+          <a:p>
+            <a:pPr marL="285750" indent="-285750">
+              <a:buFont typeface="Arial" panose="020B0604020202020204" pitchFamily="34" charset="0"/>
+              <a:buChar char="•"/>
+            </a:pPr>
+            <a:r>
+              <a:rPr lang="hu-HU" sz="3200" dirty="0">
+                <a:latin typeface="Times New Roman" panose="02020603050405020304" pitchFamily="18" charset="0"/>
+                <a:cs typeface="Times New Roman" panose="02020603050405020304" pitchFamily="18" charset="0"/>
+              </a:rPr>
+              <a:t>egy felhasználó név (név amit használni fog)</a:t>
+            </a:r>
+          </a:p>
+          <a:p>
+            <a:pPr marL="285750" indent="-285750">
+              <a:buFont typeface="Arial" panose="020B0604020202020204" pitchFamily="34" charset="0"/>
+              <a:buChar char="•"/>
+            </a:pPr>
+            <a:r>
+              <a:rPr lang="hu-HU" sz="3200" dirty="0">
+                <a:latin typeface="Times New Roman" panose="02020603050405020304" pitchFamily="18" charset="0"/>
+                <a:cs typeface="Times New Roman" panose="02020603050405020304" pitchFamily="18" charset="0"/>
+              </a:rPr>
+              <a:t>egy email-cím</a:t>
+            </a:r>
+          </a:p>
+          <a:p>
+            <a:pPr marL="285750" indent="-285750">
+              <a:buFont typeface="Arial" panose="020B0604020202020204" pitchFamily="34" charset="0"/>
+              <a:buChar char="•"/>
+            </a:pPr>
+            <a:r>
+              <a:rPr lang="hu-HU" sz="3200" dirty="0">
+                <a:latin typeface="Times New Roman" panose="02020603050405020304" pitchFamily="18" charset="0"/>
+                <a:cs typeface="Times New Roman" panose="02020603050405020304" pitchFamily="18" charset="0"/>
+              </a:rPr>
+              <a:t>egy jelszó megadása</a:t>
+            </a:r>
+          </a:p>
+        </p:txBody>
+      </p:sp>
+      <p:pic>
+        <p:nvPicPr>
+          <p:cNvPr id="1026" name="Picture 2" descr="Home - The GitHub Blog">
+            <a:extLst>
+              <a:ext uri="{FF2B5EF4-FFF2-40B4-BE49-F238E27FC236}">
+                <a16:creationId xmlns:a16="http://schemas.microsoft.com/office/drawing/2014/main" id="{BBB1E8CF-5480-4832-A87D-E3A6721027B1}"/>
+              </a:ext>
+            </a:extLst>
+          </p:cNvPr>
+          <p:cNvPicPr>
+            <a:picLocks noChangeAspect="1" noChangeArrowheads="1"/>
+          </p:cNvPicPr>
+          <p:nvPr/>
+        </p:nvPicPr>
+        <p:blipFill>
+          <a:blip r:embed="rId4">
+            <a:extLst>
+              <a:ext uri="{28A0092B-C50C-407E-A947-70E740481C1C}">
+                <a14:useLocalDpi xmlns:a14="http://schemas.microsoft.com/office/drawing/2010/main" val="0"/>
+              </a:ext>
+            </a:extLst>
+          </a:blip>
+          <a:srcRect/>
+          <a:stretch>
+            <a:fillRect/>
+          </a:stretch>
+        </p:blipFill>
+        <p:spPr bwMode="auto">
+          <a:xfrm>
+            <a:off x="238126" y="1926013"/>
+            <a:ext cx="4778374" cy="3236274"/>
+          </a:xfrm>
+          <a:prstGeom prst="rect">
+            <a:avLst/>
+          </a:prstGeom>
+          <a:noFill/>
+          <a:extLst>
+            <a:ext uri="{909E8E84-426E-40DD-AFC4-6F175D3DCCD1}">
+              <a14:hiddenFill xmlns:a14="http://schemas.microsoft.com/office/drawing/2010/main">
+                <a:solidFill>
+                  <a:srgbClr val="FFFFFF"/>
+                </a:solidFill>
+              </a14:hiddenFill>
+            </a:ext>
+          </a:extLst>
+        </p:spPr>
+      </p:pic>
+    </p:spTree>
+    <p:extLst>
+      <p:ext uri="{BB962C8B-B14F-4D97-AF65-F5344CB8AC3E}">
+        <p14:creationId xmlns:p14="http://schemas.microsoft.com/office/powerpoint/2010/main" val="3877275931"/>
+      </p:ext>
+    </p:extLst>
+  </p:cSld>
+  <p:clrMapOvr>
+    <a:masterClrMapping/>
+  </p:clrMapOvr>
+  <mc:AlternateContent xmlns:mc="http://schemas.openxmlformats.org/markup-compatibility/2006" xmlns:p159="http://schemas.microsoft.com/office/powerpoint/2015/09/main">
+    <mc:Choice Requires="p159">
+      <p:transition xmlns:p14="http://schemas.microsoft.com/office/powerpoint/2010/main" spd="slow" p14:dur="2000">
+        <p159:morph option="byObject"/>
+      </p:transition>
+    </mc:Choice>
+    <mc:Fallback xmlns="">
+      <p:transition spd="slow">
+        <p:fade/>
+      </p:transition>
+    </mc:Fallback>
+  </mc:AlternateContent>
+</p:sld>
+</file>
+
+<file path=ppt/slides/slide3.xml><?xml version="1.0" encoding="utf-8"?>
+<p:sld xmlns:a="http://schemas.openxmlformats.org/drawingml/2006/main" xmlns:r="http://schemas.openxmlformats.org/officeDocument/2006/relationships" xmlns:p="http://schemas.openxmlformats.org/presentationml/2006/main">
+  <p:cSld>
+    <p:bg>
+      <p:bgPr>
+        <a:solidFill>
+          <a:schemeClr val="tx2">
+            <a:lumMod val="60000"/>
+            <a:lumOff val="40000"/>
+          </a:schemeClr>
+        </a:solidFill>
+        <a:effectLst/>
+      </p:bgPr>
+    </p:bg>
+    <p:spTree>
+      <p:nvGrpSpPr>
+        <p:cNvPr id="1" name="">
+          <a:extLst>
+            <a:ext uri="{FF2B5EF4-FFF2-40B4-BE49-F238E27FC236}">
+              <a16:creationId xmlns:a16="http://schemas.microsoft.com/office/drawing/2014/main" id="{12974011-782C-5785-1BDA-96E770840BB4}"/>
+            </a:ext>
+          </a:extLst>
+        </p:cNvPr>
+        <p:cNvGrpSpPr/>
+        <p:nvPr/>
+      </p:nvGrpSpPr>
+      <p:grpSpPr>
+        <a:xfrm>
+          <a:off x="0" y="0"/>
+          <a:ext cx="0" cy="0"/>
+          <a:chOff x="0" y="0"/>
+          <a:chExt cx="0" cy="0"/>
+        </a:xfrm>
+      </p:grpSpPr>
+      <p:pic>
+        <p:nvPicPr>
+          <p:cNvPr id="8" name="Kép 7">
+            <a:extLst>
+              <a:ext uri="{FF2B5EF4-FFF2-40B4-BE49-F238E27FC236}">
+                <a16:creationId xmlns:a16="http://schemas.microsoft.com/office/drawing/2014/main" id="{D2C86010-5203-45AF-B011-FB28874FFCE1}"/>
+              </a:ext>
+            </a:extLst>
+          </p:cNvPr>
+          <p:cNvPicPr>
+            <a:picLocks noChangeAspect="1"/>
+          </p:cNvPicPr>
+          <p:nvPr/>
+        </p:nvPicPr>
+        <p:blipFill>
+          <a:blip r:embed="rId3">
+            <a:extLst>
+              <a:ext uri="{28A0092B-C50C-407E-A947-70E740481C1C}">
+                <a14:useLocalDpi xmlns:a14="http://schemas.microsoft.com/office/drawing/2010/main" val="0"/>
+              </a:ext>
+            </a:extLst>
+          </a:blip>
+          <a:stretch>
+            <a:fillRect/>
+          </a:stretch>
+        </p:blipFill>
+        <p:spPr>
+          <a:xfrm>
             <a:off x="337976" y="449494"/>
             <a:ext cx="11473024" cy="6408506"/>
           </a:xfrm>
@@ -8281,7 +8519,7 @@
 </p:sld>
 </file>
 
-<file path=ppt/slides/slide3.xml><?xml version="1.0" encoding="utf-8"?>
+<file path=ppt/slides/slide4.xml><?xml version="1.0" encoding="utf-8"?>
 <p:sld xmlns:a="http://schemas.openxmlformats.org/drawingml/2006/main" xmlns:r="http://schemas.openxmlformats.org/officeDocument/2006/relationships" xmlns:p="http://schemas.openxmlformats.org/presentationml/2006/main">
   <p:cSld>
     <p:bg>
@@ -8565,7 +8803,7 @@
 </p:sld>
 </file>
 
-<file path=ppt/slides/slide4.xml><?xml version="1.0" encoding="utf-8"?>
+<file path=ppt/slides/slide5.xml><?xml version="1.0" encoding="utf-8"?>
 <p:sld xmlns:a="http://schemas.openxmlformats.org/drawingml/2006/main" xmlns:r="http://schemas.openxmlformats.org/officeDocument/2006/relationships" xmlns:p="http://schemas.openxmlformats.org/presentationml/2006/main">
   <p:cSld>
     <p:bg>
@@ -8912,7 +9150,7 @@
 </p:sld>
 </file>
 
-<file path=ppt/slides/slide5.xml><?xml version="1.0" encoding="utf-8"?>
+<file path=ppt/slides/slide6.xml><?xml version="1.0" encoding="utf-8"?>
 <p:sld xmlns:a="http://schemas.openxmlformats.org/drawingml/2006/main" xmlns:r="http://schemas.openxmlformats.org/officeDocument/2006/relationships" xmlns:p="http://schemas.openxmlformats.org/presentationml/2006/main">
   <p:cSld>
     <p:spTree>
@@ -9457,7 +9695,7 @@
 </p:sld>
 </file>
 
-<file path=ppt/slides/slide6.xml><?xml version="1.0" encoding="utf-8"?>
+<file path=ppt/slides/slide7.xml><?xml version="1.0" encoding="utf-8"?>
 <p:sld xmlns:a="http://schemas.openxmlformats.org/drawingml/2006/main" xmlns:r="http://schemas.openxmlformats.org/officeDocument/2006/relationships" xmlns:p="http://schemas.openxmlformats.org/presentationml/2006/main">
   <p:cSld>
     <p:spTree>
@@ -9728,418 +9966,6 @@
     <p:extLst>
       <p:ext uri="{BB962C8B-B14F-4D97-AF65-F5344CB8AC3E}">
         <p14:creationId xmlns:p14="http://schemas.microsoft.com/office/powerpoint/2010/main" val="2578908493"/>
-      </p:ext>
-    </p:extLst>
-  </p:cSld>
-  <p:clrMapOvr>
-    <a:masterClrMapping/>
-  </p:clrMapOvr>
-  <mc:AlternateContent xmlns:mc="http://schemas.openxmlformats.org/markup-compatibility/2006" xmlns:p159="http://schemas.microsoft.com/office/powerpoint/2015/09/main">
-    <mc:Choice Requires="p159">
-      <p:transition xmlns:p14="http://schemas.microsoft.com/office/powerpoint/2010/main" spd="slow" p14:dur="2000">
-        <p159:morph option="byObject"/>
-      </p:transition>
-    </mc:Choice>
-    <mc:Fallback xmlns="">
-      <p:transition spd="slow">
-        <p:fade/>
-      </p:transition>
-    </mc:Fallback>
-  </mc:AlternateContent>
-</p:sld>
-</file>
-
-<file path=ppt/slides/slide7.xml><?xml version="1.0" encoding="utf-8"?>
-<p:sld xmlns:a="http://schemas.openxmlformats.org/drawingml/2006/main" xmlns:r="http://schemas.openxmlformats.org/officeDocument/2006/relationships" xmlns:p="http://schemas.openxmlformats.org/presentationml/2006/main">
-  <p:cSld>
-    <p:spTree>
-      <p:nvGrpSpPr>
-        <p:cNvPr id="1" name="">
-          <a:extLst>
-            <a:ext uri="{FF2B5EF4-FFF2-40B4-BE49-F238E27FC236}">
-              <a16:creationId xmlns:a16="http://schemas.microsoft.com/office/drawing/2014/main" id="{12974011-782C-5785-1BDA-96E770840BB4}"/>
-            </a:ext>
-          </a:extLst>
-        </p:cNvPr>
-        <p:cNvGrpSpPr/>
-        <p:nvPr/>
-      </p:nvGrpSpPr>
-      <p:grpSpPr>
-        <a:xfrm>
-          <a:off x="0" y="0"/>
-          <a:ext cx="0" cy="0"/>
-          <a:chOff x="0" y="0"/>
-          <a:chExt cx="0" cy="0"/>
-        </a:xfrm>
-      </p:grpSpPr>
-      <p:pic>
-        <p:nvPicPr>
-          <p:cNvPr id="11" name="Kép 10">
-            <a:extLst>
-              <a:ext uri="{FF2B5EF4-FFF2-40B4-BE49-F238E27FC236}">
-                <a16:creationId xmlns:a16="http://schemas.microsoft.com/office/drawing/2014/main" id="{4593E966-126E-4004-987D-C0266F497D9F}"/>
-              </a:ext>
-            </a:extLst>
-          </p:cNvPr>
-          <p:cNvPicPr>
-            <a:picLocks noChangeAspect="1"/>
-          </p:cNvPicPr>
-          <p:nvPr/>
-        </p:nvPicPr>
-        <p:blipFill>
-          <a:blip r:embed="rId3">
-            <a:extLst>
-              <a:ext uri="{28A0092B-C50C-407E-A947-70E740481C1C}">
-                <a14:useLocalDpi xmlns:a14="http://schemas.microsoft.com/office/drawing/2010/main" val="0"/>
-              </a:ext>
-            </a:extLst>
-          </a:blip>
-          <a:stretch>
-            <a:fillRect/>
-          </a:stretch>
-        </p:blipFill>
-        <p:spPr>
-          <a:xfrm>
-            <a:off x="238126" y="341256"/>
-            <a:ext cx="11547474" cy="6495454"/>
-          </a:xfrm>
-          <a:prstGeom prst="rect">
-            <a:avLst/>
-          </a:prstGeom>
-        </p:spPr>
-      </p:pic>
-      <p:sp>
-        <p:nvSpPr>
-          <p:cNvPr id="4" name="Szövegdoboz 3">
-            <a:extLst>
-              <a:ext uri="{FF2B5EF4-FFF2-40B4-BE49-F238E27FC236}">
-                <a16:creationId xmlns:a16="http://schemas.microsoft.com/office/drawing/2014/main" id="{00C777A7-53D2-43EB-B45B-53351BDEA5D4}"/>
-              </a:ext>
-            </a:extLst>
-          </p:cNvPr>
-          <p:cNvSpPr txBox="1"/>
-          <p:nvPr/>
-        </p:nvSpPr>
-        <p:spPr>
-          <a:xfrm>
-            <a:off x="6210300" y="757929"/>
-            <a:ext cx="6326090" cy="830997"/>
-          </a:xfrm>
-          <a:prstGeom prst="rect">
-            <a:avLst/>
-          </a:prstGeom>
-          <a:noFill/>
-        </p:spPr>
-        <p:txBody>
-          <a:bodyPr wrap="square" rtlCol="0">
-            <a:spAutoFit/>
-          </a:bodyPr>
-          <a:lstStyle/>
-          <a:p>
-            <a:r>
-              <a:rPr lang="hu-HU" sz="4800" b="1" u="sng" dirty="0">
-                <a:solidFill>
-                  <a:schemeClr val="accent1"/>
-                </a:solidFill>
-                <a:latin typeface="Times New Roman" panose="02020603050405020304" pitchFamily="18" charset="0"/>
-                <a:cs typeface="Times New Roman" panose="02020603050405020304" pitchFamily="18" charset="0"/>
-              </a:rPr>
-              <a:t>Fájl </a:t>
-            </a:r>
-            <a:r>
-              <a:rPr lang="hu-HU" sz="4400" b="1" u="sng" dirty="0">
-                <a:solidFill>
-                  <a:schemeClr val="accent1"/>
-                </a:solidFill>
-                <a:latin typeface="Times New Roman" panose="02020603050405020304" pitchFamily="18" charset="0"/>
-                <a:cs typeface="Times New Roman" panose="02020603050405020304" pitchFamily="18" charset="0"/>
-              </a:rPr>
-              <a:t>Feltöltése</a:t>
-            </a:r>
-          </a:p>
-        </p:txBody>
-      </p:sp>
-      <p:sp>
-        <p:nvSpPr>
-          <p:cNvPr id="8" name="Szövegdoboz 7">
-            <a:extLst>
-              <a:ext uri="{FF2B5EF4-FFF2-40B4-BE49-F238E27FC236}">
-                <a16:creationId xmlns:a16="http://schemas.microsoft.com/office/drawing/2014/main" id="{7D1F97C4-6DB0-4B90-8D55-D950D79BCAC0}"/>
-              </a:ext>
-            </a:extLst>
-          </p:cNvPr>
-          <p:cNvSpPr txBox="1"/>
-          <p:nvPr/>
-        </p:nvSpPr>
-        <p:spPr>
-          <a:xfrm>
-            <a:off x="6210300" y="1841242"/>
-            <a:ext cx="5327404" cy="5016758"/>
-          </a:xfrm>
-          <a:prstGeom prst="rect">
-            <a:avLst/>
-          </a:prstGeom>
-          <a:noFill/>
-        </p:spPr>
-        <p:txBody>
-          <a:bodyPr wrap="square" rtlCol="0">
-            <a:spAutoFit/>
-          </a:bodyPr>
-          <a:lstStyle/>
-          <a:p>
-            <a:pPr marL="342900" indent="-342900">
-              <a:buFont typeface="+mj-lt"/>
-              <a:buAutoNum type="arabicPeriod"/>
-            </a:pPr>
-            <a:r>
-              <a:rPr lang="hu-HU" sz="3200" dirty="0">
-                <a:latin typeface="Times New Roman" panose="02020603050405020304" pitchFamily="18" charset="0"/>
-                <a:cs typeface="Times New Roman" panose="02020603050405020304" pitchFamily="18" charset="0"/>
-              </a:rPr>
-              <a:t>A fájlkezelőbe berakjuk a mappába</a:t>
-            </a:r>
-          </a:p>
-          <a:p>
-            <a:pPr marL="342900" indent="-342900">
-              <a:buFont typeface="+mj-lt"/>
-              <a:buAutoNum type="arabicPeriod"/>
-            </a:pPr>
-            <a:r>
-              <a:rPr lang="hu-HU" sz="3200" dirty="0">
-                <a:latin typeface="Times New Roman" panose="02020603050405020304" pitchFamily="18" charset="0"/>
-                <a:cs typeface="Times New Roman" panose="02020603050405020304" pitchFamily="18" charset="0"/>
-              </a:rPr>
-              <a:t>A </a:t>
-            </a:r>
-            <a:r>
-              <a:rPr lang="hu-HU" sz="3200" dirty="0" err="1">
-                <a:latin typeface="Times New Roman" panose="02020603050405020304" pitchFamily="18" charset="0"/>
-                <a:cs typeface="Times New Roman" panose="02020603050405020304" pitchFamily="18" charset="0"/>
-              </a:rPr>
-              <a:t>Git</a:t>
-            </a:r>
-            <a:r>
-              <a:rPr lang="hu-HU" sz="3200" dirty="0">
-                <a:latin typeface="Times New Roman" panose="02020603050405020304" pitchFamily="18" charset="0"/>
-                <a:cs typeface="Times New Roman" panose="02020603050405020304" pitchFamily="18" charset="0"/>
-              </a:rPr>
-              <a:t> </a:t>
-            </a:r>
-            <a:r>
-              <a:rPr lang="hu-HU" sz="3200" dirty="0" err="1">
-                <a:latin typeface="Times New Roman" panose="02020603050405020304" pitchFamily="18" charset="0"/>
-                <a:cs typeface="Times New Roman" panose="02020603050405020304" pitchFamily="18" charset="0"/>
-              </a:rPr>
-              <a:t>Bash</a:t>
-            </a:r>
-            <a:r>
-              <a:rPr lang="hu-HU" sz="3200" dirty="0">
-                <a:latin typeface="Times New Roman" panose="02020603050405020304" pitchFamily="18" charset="0"/>
-                <a:cs typeface="Times New Roman" panose="02020603050405020304" pitchFamily="18" charset="0"/>
-              </a:rPr>
-              <a:t>-ben megadjuk a ”</a:t>
-            </a:r>
-            <a:r>
-              <a:rPr lang="hu-HU" sz="3200" dirty="0" err="1">
-                <a:latin typeface="Times New Roman" panose="02020603050405020304" pitchFamily="18" charset="0"/>
-                <a:cs typeface="Times New Roman" panose="02020603050405020304" pitchFamily="18" charset="0"/>
-              </a:rPr>
-              <a:t>git</a:t>
-            </a:r>
-            <a:r>
-              <a:rPr lang="hu-HU" sz="3200" dirty="0">
-                <a:latin typeface="Times New Roman" panose="02020603050405020304" pitchFamily="18" charset="0"/>
-                <a:cs typeface="Times New Roman" panose="02020603050405020304" pitchFamily="18" charset="0"/>
-              </a:rPr>
-              <a:t> add” paranccsal megadhatjuk hogy mely fájlok kerüljenek feltöltésre</a:t>
-            </a:r>
-          </a:p>
-          <a:p>
-            <a:pPr marL="342900" indent="-342900">
-              <a:buFont typeface="+mj-lt"/>
-              <a:buAutoNum type="arabicPeriod"/>
-            </a:pPr>
-            <a:r>
-              <a:rPr lang="hu-HU" sz="3200" dirty="0">
-                <a:latin typeface="Times New Roman" panose="02020603050405020304" pitchFamily="18" charset="0"/>
-                <a:cs typeface="Times New Roman" panose="02020603050405020304" pitchFamily="18" charset="0"/>
-              </a:rPr>
-              <a:t>”</a:t>
-            </a:r>
-            <a:r>
-              <a:rPr lang="hu-HU" sz="3200" dirty="0" err="1">
-                <a:latin typeface="Times New Roman" panose="02020603050405020304" pitchFamily="18" charset="0"/>
-                <a:cs typeface="Times New Roman" panose="02020603050405020304" pitchFamily="18" charset="0"/>
-              </a:rPr>
-              <a:t>git</a:t>
-            </a:r>
-            <a:r>
-              <a:rPr lang="hu-HU" sz="3200" dirty="0">
-                <a:latin typeface="Times New Roman" panose="02020603050405020304" pitchFamily="18" charset="0"/>
-                <a:cs typeface="Times New Roman" panose="02020603050405020304" pitchFamily="18" charset="0"/>
-              </a:rPr>
-              <a:t> </a:t>
-            </a:r>
-            <a:r>
-              <a:rPr lang="hu-HU" sz="3200" dirty="0" err="1">
-                <a:latin typeface="Times New Roman" panose="02020603050405020304" pitchFamily="18" charset="0"/>
-                <a:cs typeface="Times New Roman" panose="02020603050405020304" pitchFamily="18" charset="0"/>
-              </a:rPr>
-              <a:t>commit</a:t>
-            </a:r>
-            <a:r>
-              <a:rPr lang="hu-HU" sz="3200" dirty="0">
-                <a:latin typeface="Times New Roman" panose="02020603050405020304" pitchFamily="18" charset="0"/>
-                <a:cs typeface="Times New Roman" panose="02020603050405020304" pitchFamily="18" charset="0"/>
-              </a:rPr>
-              <a:t>”-</a:t>
-            </a:r>
-            <a:r>
-              <a:rPr lang="hu-HU" sz="3200" dirty="0" err="1">
-                <a:latin typeface="Times New Roman" panose="02020603050405020304" pitchFamily="18" charset="0"/>
-                <a:cs typeface="Times New Roman" panose="02020603050405020304" pitchFamily="18" charset="0"/>
-              </a:rPr>
-              <a:t>al</a:t>
-            </a:r>
-            <a:r>
-              <a:rPr lang="hu-HU" sz="3200" dirty="0">
-                <a:latin typeface="Times New Roman" panose="02020603050405020304" pitchFamily="18" charset="0"/>
-                <a:cs typeface="Times New Roman" panose="02020603050405020304" pitchFamily="18" charset="0"/>
-              </a:rPr>
-              <a:t> mentjük a módosításokat.</a:t>
-            </a:r>
-          </a:p>
-          <a:p>
-            <a:pPr marL="342900" indent="-342900">
-              <a:buFont typeface="+mj-lt"/>
-              <a:buAutoNum type="arabicPeriod"/>
-            </a:pPr>
-            <a:r>
-              <a:rPr lang="hu-HU" sz="3200" dirty="0">
-                <a:latin typeface="Times New Roman" panose="02020603050405020304" pitchFamily="18" charset="0"/>
-                <a:cs typeface="Times New Roman" panose="02020603050405020304" pitchFamily="18" charset="0"/>
-              </a:rPr>
-              <a:t>A ”</a:t>
-            </a:r>
-            <a:r>
-              <a:rPr lang="hu-HU" sz="3200" dirty="0" err="1">
-                <a:latin typeface="Times New Roman" panose="02020603050405020304" pitchFamily="18" charset="0"/>
-                <a:cs typeface="Times New Roman" panose="02020603050405020304" pitchFamily="18" charset="0"/>
-              </a:rPr>
-              <a:t>git</a:t>
-            </a:r>
-            <a:r>
-              <a:rPr lang="hu-HU" sz="3200" dirty="0">
-                <a:latin typeface="Times New Roman" panose="02020603050405020304" pitchFamily="18" charset="0"/>
-                <a:cs typeface="Times New Roman" panose="02020603050405020304" pitchFamily="18" charset="0"/>
-              </a:rPr>
-              <a:t> </a:t>
-            </a:r>
-            <a:r>
-              <a:rPr lang="hu-HU" sz="3200" dirty="0" err="1">
-                <a:latin typeface="Times New Roman" panose="02020603050405020304" pitchFamily="18" charset="0"/>
-                <a:cs typeface="Times New Roman" panose="02020603050405020304" pitchFamily="18" charset="0"/>
-              </a:rPr>
-              <a:t>push</a:t>
-            </a:r>
-            <a:r>
-              <a:rPr lang="hu-HU" sz="3200" dirty="0">
-                <a:latin typeface="Times New Roman" panose="02020603050405020304" pitchFamily="18" charset="0"/>
-                <a:cs typeface="Times New Roman" panose="02020603050405020304" pitchFamily="18" charset="0"/>
-              </a:rPr>
-              <a:t>”-</a:t>
-            </a:r>
-            <a:r>
-              <a:rPr lang="hu-HU" sz="3200" dirty="0" err="1">
-                <a:latin typeface="Times New Roman" panose="02020603050405020304" pitchFamily="18" charset="0"/>
-                <a:cs typeface="Times New Roman" panose="02020603050405020304" pitchFamily="18" charset="0"/>
-              </a:rPr>
-              <a:t>al</a:t>
-            </a:r>
-            <a:r>
-              <a:rPr lang="hu-HU" sz="3200" dirty="0">
-                <a:latin typeface="Times New Roman" panose="02020603050405020304" pitchFamily="18" charset="0"/>
-                <a:cs typeface="Times New Roman" panose="02020603050405020304" pitchFamily="18" charset="0"/>
-              </a:rPr>
-              <a:t> pedig feltöltjük a </a:t>
-            </a:r>
-            <a:r>
-              <a:rPr lang="hu-HU" sz="3200" dirty="0" err="1">
-                <a:latin typeface="Times New Roman" panose="02020603050405020304" pitchFamily="18" charset="0"/>
-                <a:cs typeface="Times New Roman" panose="02020603050405020304" pitchFamily="18" charset="0"/>
-              </a:rPr>
-              <a:t>repository-ba</a:t>
-            </a:r>
-            <a:endParaRPr lang="hu-HU" sz="3200" dirty="0">
-              <a:latin typeface="Times New Roman" panose="02020603050405020304" pitchFamily="18" charset="0"/>
-              <a:cs typeface="Times New Roman" panose="02020603050405020304" pitchFamily="18" charset="0"/>
-            </a:endParaRPr>
-          </a:p>
-        </p:txBody>
-      </p:sp>
-      <p:pic>
-        <p:nvPicPr>
-          <p:cNvPr id="7" name="Kép 6">
-            <a:extLst>
-              <a:ext uri="{FF2B5EF4-FFF2-40B4-BE49-F238E27FC236}">
-                <a16:creationId xmlns:a16="http://schemas.microsoft.com/office/drawing/2014/main" id="{80324606-B01D-4D13-BC3A-9F9528662F9C}"/>
-              </a:ext>
-            </a:extLst>
-          </p:cNvPr>
-          <p:cNvPicPr>
-            <a:picLocks noChangeAspect="1"/>
-          </p:cNvPicPr>
-          <p:nvPr/>
-        </p:nvPicPr>
-        <p:blipFill rotWithShape="1">
-          <a:blip r:embed="rId4"/>
-          <a:srcRect r="17058"/>
-          <a:stretch/>
-        </p:blipFill>
-        <p:spPr>
-          <a:xfrm>
-            <a:off x="238126" y="4349621"/>
-            <a:ext cx="5578474" cy="1819275"/>
-          </a:xfrm>
-          <a:prstGeom prst="rect">
-            <a:avLst/>
-          </a:prstGeom>
-        </p:spPr>
-      </p:pic>
-      <p:pic>
-        <p:nvPicPr>
-          <p:cNvPr id="13" name="Kép 12">
-            <a:extLst>
-              <a:ext uri="{FF2B5EF4-FFF2-40B4-BE49-F238E27FC236}">
-                <a16:creationId xmlns:a16="http://schemas.microsoft.com/office/drawing/2014/main" id="{CD4046F2-E859-4CEB-AACC-10B11845DAEB}"/>
-              </a:ext>
-            </a:extLst>
-          </p:cNvPr>
-          <p:cNvPicPr>
-            <a:picLocks noChangeAspect="1"/>
-          </p:cNvPicPr>
-          <p:nvPr/>
-        </p:nvPicPr>
-        <p:blipFill>
-          <a:blip r:embed="rId5"/>
-          <a:stretch>
-            <a:fillRect/>
-          </a:stretch>
-        </p:blipFill>
-        <p:spPr>
-          <a:xfrm>
-            <a:off x="238126" y="2077508"/>
-            <a:ext cx="5221384" cy="1154272"/>
-          </a:xfrm>
-          <a:prstGeom prst="rect">
-            <a:avLst/>
-          </a:prstGeom>
-        </p:spPr>
-      </p:pic>
-    </p:spTree>
-    <p:extLst>
-      <p:ext uri="{BB962C8B-B14F-4D97-AF65-F5344CB8AC3E}">
-        <p14:creationId xmlns:p14="http://schemas.microsoft.com/office/powerpoint/2010/main" val="3059883890"/>
       </p:ext>
     </p:extLst>
   </p:cSld>
@@ -10212,7 +10038,7 @@
         </p:blipFill>
         <p:spPr>
           <a:xfrm>
-            <a:off x="322263" y="341256"/>
+            <a:off x="238126" y="341256"/>
             <a:ext cx="11547474" cy="6495454"/>
           </a:xfrm>
           <a:prstGeom prst="rect">
@@ -10222,10 +10048,10 @@
       </p:pic>
       <p:sp>
         <p:nvSpPr>
-          <p:cNvPr id="3" name="Szövegdoboz 2">
+          <p:cNvPr id="4" name="Szövegdoboz 3">
             <a:extLst>
               <a:ext uri="{FF2B5EF4-FFF2-40B4-BE49-F238E27FC236}">
-                <a16:creationId xmlns:a16="http://schemas.microsoft.com/office/drawing/2014/main" id="{242D0E0D-7012-4E40-9BEA-3D8547B5584A}"/>
+                <a16:creationId xmlns:a16="http://schemas.microsoft.com/office/drawing/2014/main" id="{00C777A7-53D2-43EB-B45B-53351BDEA5D4}"/>
               </a:ext>
             </a:extLst>
           </p:cNvPr>
@@ -10234,8 +10060,8 @@
         </p:nvSpPr>
         <p:spPr>
           <a:xfrm>
-            <a:off x="6574561" y="1160478"/>
-            <a:ext cx="3903785" cy="769441"/>
+            <a:off x="6210300" y="757929"/>
+            <a:ext cx="6326090" cy="830997"/>
           </a:xfrm>
           <a:prstGeom prst="rect">
             <a:avLst/>
@@ -10248,6 +10074,16 @@
           </a:bodyPr>
           <a:lstStyle/>
           <a:p>
+            <a:r>
+              <a:rPr lang="hu-HU" sz="4800" b="1" u="sng" dirty="0">
+                <a:solidFill>
+                  <a:schemeClr val="accent1"/>
+                </a:solidFill>
+                <a:latin typeface="Times New Roman" panose="02020603050405020304" pitchFamily="18" charset="0"/>
+                <a:cs typeface="Times New Roman" panose="02020603050405020304" pitchFamily="18" charset="0"/>
+              </a:rPr>
+              <a:t>Fájl </a:t>
+            </a:r>
             <a:r>
               <a:rPr lang="hu-HU" sz="4400" b="1" u="sng" dirty="0">
                 <a:solidFill>
@@ -10256,17 +10092,17 @@
                 <a:latin typeface="Times New Roman" panose="02020603050405020304" pitchFamily="18" charset="0"/>
                 <a:cs typeface="Times New Roman" panose="02020603050405020304" pitchFamily="18" charset="0"/>
               </a:rPr>
-              <a:t>Fájl letöltése</a:t>
-            </a:r>
-          </a:p>
-        </p:txBody>
-      </p:sp>
-      <p:sp>
-        <p:nvSpPr>
-          <p:cNvPr id="5" name="Szövegdoboz 4">
+              <a:t>Feltöltése</a:t>
+            </a:r>
+          </a:p>
+        </p:txBody>
+      </p:sp>
+      <p:sp>
+        <p:nvSpPr>
+          <p:cNvPr id="8" name="Szövegdoboz 7">
             <a:extLst>
               <a:ext uri="{FF2B5EF4-FFF2-40B4-BE49-F238E27FC236}">
-                <a16:creationId xmlns:a16="http://schemas.microsoft.com/office/drawing/2014/main" id="{8D5EF085-56BE-4206-8676-2B83EC5F5B0C}"/>
+                <a16:creationId xmlns:a16="http://schemas.microsoft.com/office/drawing/2014/main" id="{7D1F97C4-6DB0-4B90-8D55-D950D79BCAC0}"/>
               </a:ext>
             </a:extLst>
           </p:cNvPr>
@@ -10275,8 +10111,8 @@
         </p:nvSpPr>
         <p:spPr>
           <a:xfrm>
-            <a:off x="6574561" y="2270590"/>
-            <a:ext cx="5304693" cy="3539430"/>
+            <a:off x="6210300" y="1841242"/>
+            <a:ext cx="5327404" cy="5016758"/>
           </a:xfrm>
           <a:prstGeom prst="rect">
             <a:avLst/>
@@ -10289,16 +10125,75 @@
           </a:bodyPr>
           <a:lstStyle/>
           <a:p>
+            <a:pPr marL="342900" indent="-342900">
+              <a:buFont typeface="+mj-lt"/>
+              <a:buAutoNum type="arabicPeriod"/>
+            </a:pPr>
             <a:r>
               <a:rPr lang="hu-HU" sz="3200" dirty="0">
                 <a:latin typeface="Times New Roman" panose="02020603050405020304" pitchFamily="18" charset="0"/>
                 <a:cs typeface="Times New Roman" panose="02020603050405020304" pitchFamily="18" charset="0"/>
               </a:rPr>
-              <a:t>2 lehetőség</a:t>
-            </a:r>
-          </a:p>
-          <a:p>
-            <a:pPr marL="800100" lvl="1" indent="-342900">
+              <a:t>A fájlkezelőbe berakjuk a mappába</a:t>
+            </a:r>
+          </a:p>
+          <a:p>
+            <a:pPr marL="342900" indent="-342900">
+              <a:buFont typeface="+mj-lt"/>
+              <a:buAutoNum type="arabicPeriod"/>
+            </a:pPr>
+            <a:r>
+              <a:rPr lang="hu-HU" sz="3200" dirty="0">
+                <a:latin typeface="Times New Roman" panose="02020603050405020304" pitchFamily="18" charset="0"/>
+                <a:cs typeface="Times New Roman" panose="02020603050405020304" pitchFamily="18" charset="0"/>
+              </a:rPr>
+              <a:t>A </a:t>
+            </a:r>
+            <a:r>
+              <a:rPr lang="hu-HU" sz="3200" dirty="0" err="1">
+                <a:latin typeface="Times New Roman" panose="02020603050405020304" pitchFamily="18" charset="0"/>
+                <a:cs typeface="Times New Roman" panose="02020603050405020304" pitchFamily="18" charset="0"/>
+              </a:rPr>
+              <a:t>Git</a:t>
+            </a:r>
+            <a:r>
+              <a:rPr lang="hu-HU" sz="3200" dirty="0">
+                <a:latin typeface="Times New Roman" panose="02020603050405020304" pitchFamily="18" charset="0"/>
+                <a:cs typeface="Times New Roman" panose="02020603050405020304" pitchFamily="18" charset="0"/>
+              </a:rPr>
+              <a:t> </a:t>
+            </a:r>
+            <a:r>
+              <a:rPr lang="hu-HU" sz="3200" dirty="0" err="1">
+                <a:latin typeface="Times New Roman" panose="02020603050405020304" pitchFamily="18" charset="0"/>
+                <a:cs typeface="Times New Roman" panose="02020603050405020304" pitchFamily="18" charset="0"/>
+              </a:rPr>
+              <a:t>Bash</a:t>
+            </a:r>
+            <a:r>
+              <a:rPr lang="hu-HU" sz="3200" dirty="0">
+                <a:latin typeface="Times New Roman" panose="02020603050405020304" pitchFamily="18" charset="0"/>
+                <a:cs typeface="Times New Roman" panose="02020603050405020304" pitchFamily="18" charset="0"/>
+              </a:rPr>
+              <a:t>-ben megadjuk a ”</a:t>
+            </a:r>
+            <a:r>
+              <a:rPr lang="hu-HU" sz="3200" dirty="0" err="1">
+                <a:latin typeface="Times New Roman" panose="02020603050405020304" pitchFamily="18" charset="0"/>
+                <a:cs typeface="Times New Roman" panose="02020603050405020304" pitchFamily="18" charset="0"/>
+              </a:rPr>
+              <a:t>git</a:t>
+            </a:r>
+            <a:r>
+              <a:rPr lang="hu-HU" sz="3200" dirty="0">
+                <a:latin typeface="Times New Roman" panose="02020603050405020304" pitchFamily="18" charset="0"/>
+                <a:cs typeface="Times New Roman" panose="02020603050405020304" pitchFamily="18" charset="0"/>
+              </a:rPr>
+              <a:t> add” paranccsal megadhatjuk hogy mely fájlok kerüljenek feltöltésre</a:t>
+            </a:r>
+          </a:p>
+          <a:p>
+            <a:pPr marL="342900" indent="-342900">
               <a:buFont typeface="+mj-lt"/>
               <a:buAutoNum type="arabicPeriod"/>
             </a:pPr>
@@ -10328,32 +10223,32 @@
                 <a:latin typeface="Times New Roman" panose="02020603050405020304" pitchFamily="18" charset="0"/>
                 <a:cs typeface="Times New Roman" panose="02020603050405020304" pitchFamily="18" charset="0"/>
               </a:rPr>
-              <a:t>clone</a:t>
+              <a:t>commit</a:t>
             </a:r>
             <a:r>
               <a:rPr lang="hu-HU" sz="3200" dirty="0">
                 <a:latin typeface="Times New Roman" panose="02020603050405020304" pitchFamily="18" charset="0"/>
                 <a:cs typeface="Times New Roman" panose="02020603050405020304" pitchFamily="18" charset="0"/>
               </a:rPr>
-              <a:t>” egész </a:t>
+              <a:t>”-</a:t>
             </a:r>
             <a:r>
               <a:rPr lang="hu-HU" sz="3200" dirty="0" err="1">
                 <a:latin typeface="Times New Roman" panose="02020603050405020304" pitchFamily="18" charset="0"/>
                 <a:cs typeface="Times New Roman" panose="02020603050405020304" pitchFamily="18" charset="0"/>
               </a:rPr>
-              <a:t>repository</a:t>
+              <a:t>al</a:t>
             </a:r>
             <a:r>
               <a:rPr lang="hu-HU" sz="3200" dirty="0">
                 <a:latin typeface="Times New Roman" panose="02020603050405020304" pitchFamily="18" charset="0"/>
                 <a:cs typeface="Times New Roman" panose="02020603050405020304" pitchFamily="18" charset="0"/>
               </a:rPr>
-              <a:t> letöltésére alkalmazható</a:t>
-            </a:r>
-          </a:p>
-          <a:p>
-            <a:pPr marL="800100" lvl="1" indent="-342900">
+              <a:t> mentjük a módosításokat.</a:t>
+            </a:r>
+          </a:p>
+          <a:p>
+            <a:pPr marL="342900" indent="-342900">
               <a:buFont typeface="+mj-lt"/>
               <a:buAutoNum type="arabicPeriod"/>
             </a:pPr>
@@ -10362,7 +10257,7 @@
                 <a:latin typeface="Times New Roman" panose="02020603050405020304" pitchFamily="18" charset="0"/>
                 <a:cs typeface="Times New Roman" panose="02020603050405020304" pitchFamily="18" charset="0"/>
               </a:rPr>
-              <a:t>”</a:t>
+              <a:t>A ”</a:t>
             </a:r>
             <a:r>
               <a:rPr lang="hu-HU" sz="3200" dirty="0" err="1">
@@ -10383,21 +10278,36 @@
                 <a:latin typeface="Times New Roman" panose="02020603050405020304" pitchFamily="18" charset="0"/>
                 <a:cs typeface="Times New Roman" panose="02020603050405020304" pitchFamily="18" charset="0"/>
               </a:rPr>
-              <a:t>pull</a:t>
+              <a:t>push</a:t>
             </a:r>
             <a:r>
               <a:rPr lang="hu-HU" sz="3200" dirty="0">
                 <a:latin typeface="Times New Roman" panose="02020603050405020304" pitchFamily="18" charset="0"/>
                 <a:cs typeface="Times New Roman" panose="02020603050405020304" pitchFamily="18" charset="0"/>
               </a:rPr>
-              <a:t>” egy fájl letöltésére alkalmazható</a:t>
-            </a:r>
-          </a:p>
-          <a:p>
-            <a:pPr marL="800100" lvl="1" indent="-342900">
-              <a:buFont typeface="+mj-lt"/>
-              <a:buAutoNum type="arabicPeriod"/>
-            </a:pPr>
+              <a:t>”-</a:t>
+            </a:r>
+            <a:r>
+              <a:rPr lang="hu-HU" sz="3200" dirty="0" err="1">
+                <a:latin typeface="Times New Roman" panose="02020603050405020304" pitchFamily="18" charset="0"/>
+                <a:cs typeface="Times New Roman" panose="02020603050405020304" pitchFamily="18" charset="0"/>
+              </a:rPr>
+              <a:t>al</a:t>
+            </a:r>
+            <a:r>
+              <a:rPr lang="hu-HU" sz="3200" dirty="0">
+                <a:latin typeface="Times New Roman" panose="02020603050405020304" pitchFamily="18" charset="0"/>
+                <a:cs typeface="Times New Roman" panose="02020603050405020304" pitchFamily="18" charset="0"/>
+              </a:rPr>
+              <a:t> pedig feltöltjük a </a:t>
+            </a:r>
+            <a:r>
+              <a:rPr lang="hu-HU" sz="3200" dirty="0" err="1">
+                <a:latin typeface="Times New Roman" panose="02020603050405020304" pitchFamily="18" charset="0"/>
+                <a:cs typeface="Times New Roman" panose="02020603050405020304" pitchFamily="18" charset="0"/>
+              </a:rPr>
+              <a:t>repository-ba</a:t>
+            </a:r>
             <a:endParaRPr lang="hu-HU" sz="3200" dirty="0">
               <a:latin typeface="Times New Roman" panose="02020603050405020304" pitchFamily="18" charset="0"/>
               <a:cs typeface="Times New Roman" panose="02020603050405020304" pitchFamily="18" charset="0"/>
@@ -10407,10 +10317,10 @@
       </p:sp>
       <p:pic>
         <p:nvPicPr>
-          <p:cNvPr id="9" name="Kép 8">
+          <p:cNvPr id="7" name="Kép 6">
             <a:extLst>
               <a:ext uri="{FF2B5EF4-FFF2-40B4-BE49-F238E27FC236}">
-                <a16:creationId xmlns:a16="http://schemas.microsoft.com/office/drawing/2014/main" id="{5C1D4059-1CFA-43F5-9492-08C4A12FA44D}"/>
+                <a16:creationId xmlns:a16="http://schemas.microsoft.com/office/drawing/2014/main" id="{80324606-B01D-4D13-BC3A-9F9528662F9C}"/>
               </a:ext>
             </a:extLst>
           </p:cNvPr>
@@ -10421,12 +10331,71 @@
         </p:nvPicPr>
         <p:blipFill rotWithShape="1">
           <a:blip r:embed="rId4"/>
+          <a:srcRect r="17058"/>
+          <a:stretch/>
+        </p:blipFill>
+        <p:spPr>
+          <a:xfrm>
+            <a:off x="283418" y="2867607"/>
+            <a:ext cx="5578474" cy="1819275"/>
+          </a:xfrm>
+          <a:prstGeom prst="rect">
+            <a:avLst/>
+          </a:prstGeom>
+        </p:spPr>
+      </p:pic>
+      <p:pic>
+        <p:nvPicPr>
+          <p:cNvPr id="13" name="Kép 12">
+            <a:extLst>
+              <a:ext uri="{FF2B5EF4-FFF2-40B4-BE49-F238E27FC236}">
+                <a16:creationId xmlns:a16="http://schemas.microsoft.com/office/drawing/2014/main" id="{CD4046F2-E859-4CEB-AACC-10B11845DAEB}"/>
+              </a:ext>
+            </a:extLst>
+          </p:cNvPr>
+          <p:cNvPicPr>
+            <a:picLocks noChangeAspect="1"/>
+          </p:cNvPicPr>
+          <p:nvPr/>
+        </p:nvPicPr>
+        <p:blipFill>
+          <a:blip r:embed="rId5"/>
+          <a:stretch>
+            <a:fillRect/>
+          </a:stretch>
+        </p:blipFill>
+        <p:spPr>
+          <a:xfrm>
+            <a:off x="292100" y="1508776"/>
+            <a:ext cx="5221384" cy="1154272"/>
+          </a:xfrm>
+          <a:prstGeom prst="rect">
+            <a:avLst/>
+          </a:prstGeom>
+        </p:spPr>
+      </p:pic>
+      <p:pic>
+        <p:nvPicPr>
+          <p:cNvPr id="9" name="Kép 8">
+            <a:extLst>
+              <a:ext uri="{FF2B5EF4-FFF2-40B4-BE49-F238E27FC236}">
+                <a16:creationId xmlns:a16="http://schemas.microsoft.com/office/drawing/2014/main" id="{73C04353-4AEA-45A5-B276-4052B9CE941A}"/>
+              </a:ext>
+            </a:extLst>
+          </p:cNvPr>
+          <p:cNvPicPr>
+            <a:picLocks noChangeAspect="1"/>
+          </p:cNvPicPr>
+          <p:nvPr/>
+        </p:nvPicPr>
+        <p:blipFill rotWithShape="1">
+          <a:blip r:embed="rId6"/>
           <a:srcRect r="40988" b="49721"/>
           <a:stretch/>
         </p:blipFill>
         <p:spPr>
           <a:xfrm>
-            <a:off x="489312" y="1457939"/>
+            <a:off x="292100" y="4891442"/>
             <a:ext cx="5918200" cy="1625302"/>
           </a:xfrm>
           <a:prstGeom prst="rect">
@@ -10434,6 +10403,275 @@
           </a:prstGeom>
         </p:spPr>
       </p:pic>
+    </p:spTree>
+    <p:extLst>
+      <p:ext uri="{BB962C8B-B14F-4D97-AF65-F5344CB8AC3E}">
+        <p14:creationId xmlns:p14="http://schemas.microsoft.com/office/powerpoint/2010/main" val="3059883890"/>
+      </p:ext>
+    </p:extLst>
+  </p:cSld>
+  <p:clrMapOvr>
+    <a:masterClrMapping/>
+  </p:clrMapOvr>
+  <mc:AlternateContent xmlns:mc="http://schemas.openxmlformats.org/markup-compatibility/2006" xmlns:p159="http://schemas.microsoft.com/office/powerpoint/2015/09/main">
+    <mc:Choice Requires="p159">
+      <p:transition xmlns:p14="http://schemas.microsoft.com/office/powerpoint/2010/main" spd="slow" p14:dur="2000">
+        <p159:morph option="byObject"/>
+      </p:transition>
+    </mc:Choice>
+    <mc:Fallback xmlns="">
+      <p:transition spd="slow">
+        <p:fade/>
+      </p:transition>
+    </mc:Fallback>
+  </mc:AlternateContent>
+</p:sld>
+</file>
+
+<file path=ppt/slides/slide9.xml><?xml version="1.0" encoding="utf-8"?>
+<p:sld xmlns:a="http://schemas.openxmlformats.org/drawingml/2006/main" xmlns:r="http://schemas.openxmlformats.org/officeDocument/2006/relationships" xmlns:p="http://schemas.openxmlformats.org/presentationml/2006/main">
+  <p:cSld>
+    <p:spTree>
+      <p:nvGrpSpPr>
+        <p:cNvPr id="1" name="">
+          <a:extLst>
+            <a:ext uri="{FF2B5EF4-FFF2-40B4-BE49-F238E27FC236}">
+              <a16:creationId xmlns:a16="http://schemas.microsoft.com/office/drawing/2014/main" id="{12974011-782C-5785-1BDA-96E770840BB4}"/>
+            </a:ext>
+          </a:extLst>
+        </p:cNvPr>
+        <p:cNvGrpSpPr/>
+        <p:nvPr/>
+      </p:nvGrpSpPr>
+      <p:grpSpPr>
+        <a:xfrm>
+          <a:off x="0" y="0"/>
+          <a:ext cx="0" cy="0"/>
+          <a:chOff x="0" y="0"/>
+          <a:chExt cx="0" cy="0"/>
+        </a:xfrm>
+      </p:grpSpPr>
+      <p:pic>
+        <p:nvPicPr>
+          <p:cNvPr id="11" name="Kép 10">
+            <a:extLst>
+              <a:ext uri="{FF2B5EF4-FFF2-40B4-BE49-F238E27FC236}">
+                <a16:creationId xmlns:a16="http://schemas.microsoft.com/office/drawing/2014/main" id="{4593E966-126E-4004-987D-C0266F497D9F}"/>
+              </a:ext>
+            </a:extLst>
+          </p:cNvPr>
+          <p:cNvPicPr>
+            <a:picLocks noChangeAspect="1"/>
+          </p:cNvPicPr>
+          <p:nvPr/>
+        </p:nvPicPr>
+        <p:blipFill>
+          <a:blip r:embed="rId3">
+            <a:extLst>
+              <a:ext uri="{28A0092B-C50C-407E-A947-70E740481C1C}">
+                <a14:useLocalDpi xmlns:a14="http://schemas.microsoft.com/office/drawing/2010/main" val="0"/>
+              </a:ext>
+            </a:extLst>
+          </a:blip>
+          <a:stretch>
+            <a:fillRect/>
+          </a:stretch>
+        </p:blipFill>
+        <p:spPr>
+          <a:xfrm>
+            <a:off x="322263" y="341256"/>
+            <a:ext cx="11547474" cy="6495454"/>
+          </a:xfrm>
+          <a:prstGeom prst="rect">
+            <a:avLst/>
+          </a:prstGeom>
+        </p:spPr>
+      </p:pic>
+      <p:sp>
+        <p:nvSpPr>
+          <p:cNvPr id="3" name="Szövegdoboz 2">
+            <a:extLst>
+              <a:ext uri="{FF2B5EF4-FFF2-40B4-BE49-F238E27FC236}">
+                <a16:creationId xmlns:a16="http://schemas.microsoft.com/office/drawing/2014/main" id="{242D0E0D-7012-4E40-9BEA-3D8547B5584A}"/>
+              </a:ext>
+            </a:extLst>
+          </p:cNvPr>
+          <p:cNvSpPr txBox="1"/>
+          <p:nvPr/>
+        </p:nvSpPr>
+        <p:spPr>
+          <a:xfrm>
+            <a:off x="6574561" y="1160478"/>
+            <a:ext cx="3903785" cy="769441"/>
+          </a:xfrm>
+          <a:prstGeom prst="rect">
+            <a:avLst/>
+          </a:prstGeom>
+          <a:noFill/>
+        </p:spPr>
+        <p:txBody>
+          <a:bodyPr wrap="square" rtlCol="0">
+            <a:spAutoFit/>
+          </a:bodyPr>
+          <a:lstStyle/>
+          <a:p>
+            <a:r>
+              <a:rPr lang="hu-HU" sz="4400" b="1" u="sng" dirty="0">
+                <a:solidFill>
+                  <a:schemeClr val="accent1"/>
+                </a:solidFill>
+                <a:latin typeface="Times New Roman" panose="02020603050405020304" pitchFamily="18" charset="0"/>
+                <a:cs typeface="Times New Roman" panose="02020603050405020304" pitchFamily="18" charset="0"/>
+              </a:rPr>
+              <a:t>Fájl letöltése</a:t>
+            </a:r>
+          </a:p>
+        </p:txBody>
+      </p:sp>
+      <p:sp>
+        <p:nvSpPr>
+          <p:cNvPr id="5" name="Szövegdoboz 4">
+            <a:extLst>
+              <a:ext uri="{FF2B5EF4-FFF2-40B4-BE49-F238E27FC236}">
+                <a16:creationId xmlns:a16="http://schemas.microsoft.com/office/drawing/2014/main" id="{8D5EF085-56BE-4206-8676-2B83EC5F5B0C}"/>
+              </a:ext>
+            </a:extLst>
+          </p:cNvPr>
+          <p:cNvSpPr txBox="1"/>
+          <p:nvPr/>
+        </p:nvSpPr>
+        <p:spPr>
+          <a:xfrm>
+            <a:off x="6574561" y="2270590"/>
+            <a:ext cx="5304693" cy="3539430"/>
+          </a:xfrm>
+          <a:prstGeom prst="rect">
+            <a:avLst/>
+          </a:prstGeom>
+          <a:noFill/>
+        </p:spPr>
+        <p:txBody>
+          <a:bodyPr wrap="square" rtlCol="0">
+            <a:spAutoFit/>
+          </a:bodyPr>
+          <a:lstStyle/>
+          <a:p>
+            <a:r>
+              <a:rPr lang="hu-HU" sz="3200" dirty="0">
+                <a:latin typeface="Times New Roman" panose="02020603050405020304" pitchFamily="18" charset="0"/>
+                <a:cs typeface="Times New Roman" panose="02020603050405020304" pitchFamily="18" charset="0"/>
+              </a:rPr>
+              <a:t>2 lehetőség</a:t>
+            </a:r>
+          </a:p>
+          <a:p>
+            <a:pPr marL="800100" lvl="1" indent="-342900">
+              <a:buFont typeface="+mj-lt"/>
+              <a:buAutoNum type="arabicPeriod"/>
+            </a:pPr>
+            <a:r>
+              <a:rPr lang="hu-HU" sz="3200" dirty="0">
+                <a:latin typeface="Times New Roman" panose="02020603050405020304" pitchFamily="18" charset="0"/>
+                <a:cs typeface="Times New Roman" panose="02020603050405020304" pitchFamily="18" charset="0"/>
+              </a:rPr>
+              <a:t>”</a:t>
+            </a:r>
+            <a:r>
+              <a:rPr lang="hu-HU" sz="3200" dirty="0" err="1">
+                <a:latin typeface="Times New Roman" panose="02020603050405020304" pitchFamily="18" charset="0"/>
+                <a:cs typeface="Times New Roman" panose="02020603050405020304" pitchFamily="18" charset="0"/>
+              </a:rPr>
+              <a:t>git</a:t>
+            </a:r>
+            <a:r>
+              <a:rPr lang="hu-HU" sz="3200" dirty="0">
+                <a:latin typeface="Times New Roman" panose="02020603050405020304" pitchFamily="18" charset="0"/>
+                <a:cs typeface="Times New Roman" panose="02020603050405020304" pitchFamily="18" charset="0"/>
+              </a:rPr>
+              <a:t> </a:t>
+            </a:r>
+            <a:r>
+              <a:rPr lang="hu-HU" sz="3200" dirty="0" err="1">
+                <a:latin typeface="Times New Roman" panose="02020603050405020304" pitchFamily="18" charset="0"/>
+                <a:cs typeface="Times New Roman" panose="02020603050405020304" pitchFamily="18" charset="0"/>
+              </a:rPr>
+              <a:t>clone</a:t>
+            </a:r>
+            <a:r>
+              <a:rPr lang="hu-HU" sz="3200" dirty="0">
+                <a:latin typeface="Times New Roman" panose="02020603050405020304" pitchFamily="18" charset="0"/>
+                <a:cs typeface="Times New Roman" panose="02020603050405020304" pitchFamily="18" charset="0"/>
+              </a:rPr>
+              <a:t>” egész </a:t>
+            </a:r>
+            <a:r>
+              <a:rPr lang="hu-HU" sz="3200" dirty="0" err="1">
+                <a:latin typeface="Times New Roman" panose="02020603050405020304" pitchFamily="18" charset="0"/>
+                <a:cs typeface="Times New Roman" panose="02020603050405020304" pitchFamily="18" charset="0"/>
+              </a:rPr>
+              <a:t>repository</a:t>
+            </a:r>
+            <a:r>
+              <a:rPr lang="hu-HU" sz="3200" dirty="0">
+                <a:latin typeface="Times New Roman" panose="02020603050405020304" pitchFamily="18" charset="0"/>
+                <a:cs typeface="Times New Roman" panose="02020603050405020304" pitchFamily="18" charset="0"/>
+              </a:rPr>
+              <a:t> letöltésére alkalmazható</a:t>
+            </a:r>
+          </a:p>
+          <a:p>
+            <a:pPr marL="800100" lvl="1" indent="-342900">
+              <a:buFont typeface="+mj-lt"/>
+              <a:buAutoNum type="arabicPeriod"/>
+            </a:pPr>
+            <a:r>
+              <a:rPr lang="hu-HU" sz="3200" dirty="0">
+                <a:latin typeface="Times New Roman" panose="02020603050405020304" pitchFamily="18" charset="0"/>
+                <a:cs typeface="Times New Roman" panose="02020603050405020304" pitchFamily="18" charset="0"/>
+              </a:rPr>
+              <a:t>”</a:t>
+            </a:r>
+            <a:r>
+              <a:rPr lang="hu-HU" sz="3200" dirty="0" err="1">
+                <a:latin typeface="Times New Roman" panose="02020603050405020304" pitchFamily="18" charset="0"/>
+                <a:cs typeface="Times New Roman" panose="02020603050405020304" pitchFamily="18" charset="0"/>
+              </a:rPr>
+              <a:t>git</a:t>
+            </a:r>
+            <a:r>
+              <a:rPr lang="hu-HU" sz="3200" dirty="0">
+                <a:latin typeface="Times New Roman" panose="02020603050405020304" pitchFamily="18" charset="0"/>
+                <a:cs typeface="Times New Roman" panose="02020603050405020304" pitchFamily="18" charset="0"/>
+              </a:rPr>
+              <a:t> </a:t>
+            </a:r>
+            <a:r>
+              <a:rPr lang="hu-HU" sz="3200" dirty="0" err="1">
+                <a:latin typeface="Times New Roman" panose="02020603050405020304" pitchFamily="18" charset="0"/>
+                <a:cs typeface="Times New Roman" panose="02020603050405020304" pitchFamily="18" charset="0"/>
+              </a:rPr>
+              <a:t>pull</a:t>
+            </a:r>
+            <a:r>
+              <a:rPr lang="hu-HU" sz="3200" dirty="0">
+                <a:latin typeface="Times New Roman" panose="02020603050405020304" pitchFamily="18" charset="0"/>
+                <a:cs typeface="Times New Roman" panose="02020603050405020304" pitchFamily="18" charset="0"/>
+              </a:rPr>
+              <a:t>” egy fájl letöltésére alkalmazható</a:t>
+            </a:r>
+          </a:p>
+          <a:p>
+            <a:pPr marL="800100" lvl="1" indent="-342900">
+              <a:buFont typeface="+mj-lt"/>
+              <a:buAutoNum type="arabicPeriod"/>
+            </a:pPr>
+            <a:endParaRPr lang="hu-HU" sz="3200" dirty="0">
+              <a:latin typeface="Times New Roman" panose="02020603050405020304" pitchFamily="18" charset="0"/>
+              <a:cs typeface="Times New Roman" panose="02020603050405020304" pitchFamily="18" charset="0"/>
+            </a:endParaRPr>
+          </a:p>
+        </p:txBody>
+      </p:sp>
       <p:pic>
         <p:nvPicPr>
           <p:cNvPr id="10" name="Kép 9">
@@ -10449,14 +10687,43 @@
           <p:nvPr/>
         </p:nvPicPr>
         <p:blipFill rotWithShape="1">
-          <a:blip r:embed="rId5"/>
+          <a:blip r:embed="rId4"/>
           <a:srcRect l="-212" t="532" r="41028" b="-532"/>
           <a:stretch/>
         </p:blipFill>
         <p:spPr>
           <a:xfrm>
-            <a:off x="322263" y="4199924"/>
+            <a:off x="414575" y="1545198"/>
             <a:ext cx="6159986" cy="2107403"/>
+          </a:xfrm>
+          <a:prstGeom prst="rect">
+            <a:avLst/>
+          </a:prstGeom>
+        </p:spPr>
+      </p:pic>
+      <p:pic>
+        <p:nvPicPr>
+          <p:cNvPr id="2" name="Kép 1">
+            <a:extLst>
+              <a:ext uri="{FF2B5EF4-FFF2-40B4-BE49-F238E27FC236}">
+                <a16:creationId xmlns:a16="http://schemas.microsoft.com/office/drawing/2014/main" id="{EA976F47-FB2F-4C47-9A1B-C90EB87189FC}"/>
+              </a:ext>
+            </a:extLst>
+          </p:cNvPr>
+          <p:cNvPicPr>
+            <a:picLocks noChangeAspect="1"/>
+          </p:cNvPicPr>
+          <p:nvPr/>
+        </p:nvPicPr>
+        <p:blipFill rotWithShape="1">
+          <a:blip r:embed="rId5"/>
+          <a:srcRect l="1174"/>
+          <a:stretch/>
+        </p:blipFill>
+        <p:spPr>
+          <a:xfrm>
+            <a:off x="414575" y="4351718"/>
+            <a:ext cx="6251655" cy="772732"/>
           </a:xfrm>
           <a:prstGeom prst="rect">
             <a:avLst/>

--- a/GitHUBprezi.pptx
+++ b/GitHUBprezi.pptx
@@ -9832,7 +9832,21 @@
                 <a:latin typeface="Times New Roman" panose="02020603050405020304" pitchFamily="18" charset="0"/>
                 <a:cs typeface="Times New Roman" panose="02020603050405020304" pitchFamily="18" charset="0"/>
               </a:rPr>
-              <a:t>A cd ”Mappa neve” paranccsal belemegyünk a mappába ahol szeretnénk dolgozni</a:t>
+              <a:t>A ”</a:t>
+            </a:r>
+            <a:r>
+              <a:rPr lang="hu-HU" sz="3200" b="1" dirty="0">
+                <a:latin typeface="Times New Roman" panose="02020603050405020304" pitchFamily="18" charset="0"/>
+                <a:cs typeface="Times New Roman" panose="02020603050405020304" pitchFamily="18" charset="0"/>
+              </a:rPr>
+              <a:t>cd</a:t>
+            </a:r>
+            <a:r>
+              <a:rPr lang="hu-HU" sz="3200" dirty="0">
+                <a:latin typeface="Times New Roman" panose="02020603050405020304" pitchFamily="18" charset="0"/>
+                <a:cs typeface="Times New Roman" panose="02020603050405020304" pitchFamily="18" charset="0"/>
+              </a:rPr>
+              <a:t>” ”Mappa neve” paranccsal belemegyünk a mappába ahol szeretnénk dolgozni</a:t>
             </a:r>
           </a:p>
           <a:p>
@@ -10178,18 +10192,25 @@
               <a:t>-ben megadjuk a ”</a:t>
             </a:r>
             <a:r>
-              <a:rPr lang="hu-HU" sz="3200" dirty="0" err="1">
+              <a:rPr lang="hu-HU" sz="3200" b="1" dirty="0" err="1">
                 <a:latin typeface="Times New Roman" panose="02020603050405020304" pitchFamily="18" charset="0"/>
                 <a:cs typeface="Times New Roman" panose="02020603050405020304" pitchFamily="18" charset="0"/>
               </a:rPr>
               <a:t>git</a:t>
             </a:r>
             <a:r>
+              <a:rPr lang="hu-HU" sz="3200" b="1" dirty="0">
+                <a:latin typeface="Times New Roman" panose="02020603050405020304" pitchFamily="18" charset="0"/>
+                <a:cs typeface="Times New Roman" panose="02020603050405020304" pitchFamily="18" charset="0"/>
+              </a:rPr>
+              <a:t> add</a:t>
+            </a:r>
+            <a:r>
               <a:rPr lang="hu-HU" sz="3200" dirty="0">
                 <a:latin typeface="Times New Roman" panose="02020603050405020304" pitchFamily="18" charset="0"/>
                 <a:cs typeface="Times New Roman" panose="02020603050405020304" pitchFamily="18" charset="0"/>
               </a:rPr>
-              <a:t> add” paranccsal megadhatjuk hogy mely fájlok kerüljenek feltöltésre</a:t>
+              <a:t>” paranccsal megadhatjuk hogy mely fájlok kerüljenek feltöltésre</a:t>
             </a:r>
           </a:p>
           <a:p>
@@ -10205,21 +10226,21 @@
               <a:t>”</a:t>
             </a:r>
             <a:r>
-              <a:rPr lang="hu-HU" sz="3200" dirty="0" err="1">
+              <a:rPr lang="hu-HU" sz="3200" b="1" dirty="0" err="1">
                 <a:latin typeface="Times New Roman" panose="02020603050405020304" pitchFamily="18" charset="0"/>
                 <a:cs typeface="Times New Roman" panose="02020603050405020304" pitchFamily="18" charset="0"/>
               </a:rPr>
               <a:t>git</a:t>
             </a:r>
             <a:r>
-              <a:rPr lang="hu-HU" sz="3200" dirty="0">
+              <a:rPr lang="hu-HU" sz="3200" b="1" dirty="0">
                 <a:latin typeface="Times New Roman" panose="02020603050405020304" pitchFamily="18" charset="0"/>
                 <a:cs typeface="Times New Roman" panose="02020603050405020304" pitchFamily="18" charset="0"/>
               </a:rPr>
               <a:t> </a:t>
             </a:r>
             <a:r>
-              <a:rPr lang="hu-HU" sz="3200" dirty="0" err="1">
+              <a:rPr lang="hu-HU" sz="3200" b="1" dirty="0" err="1">
                 <a:latin typeface="Times New Roman" panose="02020603050405020304" pitchFamily="18" charset="0"/>
                 <a:cs typeface="Times New Roman" panose="02020603050405020304" pitchFamily="18" charset="0"/>
               </a:rPr>
@@ -10260,21 +10281,21 @@
               <a:t>A ”</a:t>
             </a:r>
             <a:r>
-              <a:rPr lang="hu-HU" sz="3200" dirty="0" err="1">
+              <a:rPr lang="hu-HU" sz="3200" b="1" dirty="0" err="1">
                 <a:latin typeface="Times New Roman" panose="02020603050405020304" pitchFamily="18" charset="0"/>
                 <a:cs typeface="Times New Roman" panose="02020603050405020304" pitchFamily="18" charset="0"/>
               </a:rPr>
               <a:t>git</a:t>
             </a:r>
             <a:r>
-              <a:rPr lang="hu-HU" sz="3200" dirty="0">
+              <a:rPr lang="hu-HU" sz="3200" b="1" dirty="0">
                 <a:latin typeface="Times New Roman" panose="02020603050405020304" pitchFamily="18" charset="0"/>
                 <a:cs typeface="Times New Roman" panose="02020603050405020304" pitchFamily="18" charset="0"/>
               </a:rPr>
               <a:t> </a:t>
             </a:r>
             <a:r>
-              <a:rPr lang="hu-HU" sz="3200" dirty="0" err="1">
+              <a:rPr lang="hu-HU" sz="3200" b="1" dirty="0" err="1">
                 <a:latin typeface="Times New Roman" panose="02020603050405020304" pitchFamily="18" charset="0"/>
                 <a:cs typeface="Times New Roman" panose="02020603050405020304" pitchFamily="18" charset="0"/>
               </a:rPr>
@@ -10577,21 +10598,21 @@
               <a:t>”</a:t>
             </a:r>
             <a:r>
-              <a:rPr lang="hu-HU" sz="3200" dirty="0" err="1">
+              <a:rPr lang="hu-HU" sz="3200" b="1" dirty="0" err="1">
                 <a:latin typeface="Times New Roman" panose="02020603050405020304" pitchFamily="18" charset="0"/>
                 <a:cs typeface="Times New Roman" panose="02020603050405020304" pitchFamily="18" charset="0"/>
               </a:rPr>
               <a:t>git</a:t>
             </a:r>
             <a:r>
-              <a:rPr lang="hu-HU" sz="3200" dirty="0">
+              <a:rPr lang="hu-HU" sz="3200" b="1" dirty="0">
                 <a:latin typeface="Times New Roman" panose="02020603050405020304" pitchFamily="18" charset="0"/>
                 <a:cs typeface="Times New Roman" panose="02020603050405020304" pitchFamily="18" charset="0"/>
               </a:rPr>
               <a:t> </a:t>
             </a:r>
             <a:r>
-              <a:rPr lang="hu-HU" sz="3200" dirty="0" err="1">
+              <a:rPr lang="hu-HU" sz="3200" b="1" dirty="0" err="1">
                 <a:latin typeface="Times New Roman" panose="02020603050405020304" pitchFamily="18" charset="0"/>
                 <a:cs typeface="Times New Roman" panose="02020603050405020304" pitchFamily="18" charset="0"/>
               </a:rPr>
@@ -10632,21 +10653,21 @@
               <a:t>”</a:t>
             </a:r>
             <a:r>
-              <a:rPr lang="hu-HU" sz="3200" dirty="0" err="1">
+              <a:rPr lang="hu-HU" sz="3200" b="1" dirty="0" err="1">
                 <a:latin typeface="Times New Roman" panose="02020603050405020304" pitchFamily="18" charset="0"/>
                 <a:cs typeface="Times New Roman" panose="02020603050405020304" pitchFamily="18" charset="0"/>
               </a:rPr>
               <a:t>git</a:t>
             </a:r>
             <a:r>
-              <a:rPr lang="hu-HU" sz="3200" dirty="0">
+              <a:rPr lang="hu-HU" sz="3200" b="1" dirty="0">
                 <a:latin typeface="Times New Roman" panose="02020603050405020304" pitchFamily="18" charset="0"/>
                 <a:cs typeface="Times New Roman" panose="02020603050405020304" pitchFamily="18" charset="0"/>
               </a:rPr>
               <a:t> </a:t>
             </a:r>
             <a:r>
-              <a:rPr lang="hu-HU" sz="3200" dirty="0" err="1">
+              <a:rPr lang="hu-HU" sz="3200" b="1" dirty="0" err="1">
                 <a:latin typeface="Times New Roman" panose="02020603050405020304" pitchFamily="18" charset="0"/>
                 <a:cs typeface="Times New Roman" panose="02020603050405020304" pitchFamily="18" charset="0"/>
               </a:rPr>
